--- a/技术分享.pptx
+++ b/技术分享.pptx
@@ -5,20 +5,21 @@
     <p:sldMasterId id="2147483657" r:id="rId1"/>
   </p:sldMasterIdLst>
   <p:notesMasterIdLst>
-    <p:notesMasterId r:id="rId8"/>
+    <p:notesMasterId r:id="rId9"/>
   </p:notesMasterIdLst>
   <p:sldIdLst>
     <p:sldId id="367" r:id="rId2"/>
     <p:sldId id="373" r:id="rId3"/>
-    <p:sldId id="375" r:id="rId4"/>
+    <p:sldId id="378" r:id="rId4"/>
     <p:sldId id="376" r:id="rId5"/>
-    <p:sldId id="377" r:id="rId6"/>
-    <p:sldId id="368" r:id="rId7"/>
+    <p:sldId id="375" r:id="rId6"/>
+    <p:sldId id="377" r:id="rId7"/>
+    <p:sldId id="368" r:id="rId8"/>
   </p:sldIdLst>
   <p:sldSz cx="9144000" cy="5143500" type="screen16x9"/>
   <p:notesSz cx="6858000" cy="9144000"/>
   <p:custDataLst>
-    <p:tags r:id="rId9"/>
+    <p:tags r:id="rId11"/>
   </p:custDataLst>
   <p:defaultTextStyle>
     <a:defPPr>
@@ -147,7 +148,7 @@
   </p:defaultTextStyle>
   <p:extLst>
     <p:ext uri="{EFAFB233-063F-42B5-8137-9DF3F51BA10A}">
-      <p15:sldGuideLst xmlns:p15="http://schemas.microsoft.com/office/powerpoint/2012/main">
+      <p15:sldGuideLst xmlns:p15="http://schemas.microsoft.com/office/powerpoint/2012/main" xmlns="">
         <p15:guide id="1" orient="horz" pos="1416">
           <p15:clr>
             <a:srgbClr val="A4A3A4"/>
@@ -191,7 +192,7 @@
       </p15:sldGuideLst>
     </p:ext>
     <p:ext uri="{2D200454-40CA-4A62-9FC3-DE9A4176ACB9}">
-      <p15:notesGuideLst xmlns:p15="http://schemas.microsoft.com/office/powerpoint/2012/main">
+      <p15:notesGuideLst xmlns:p15="http://schemas.microsoft.com/office/powerpoint/2012/main" xmlns="">
         <p15:guide id="1" orient="horz" pos="2880">
           <p15:clr>
             <a:srgbClr val="A4A3A4"/>
@@ -257,14 +258,14 @@
           </a:ln>
           <a:effectLst/>
           <a:extLst>
-            <a:ext uri="{909E8E84-426E-40DD-AFC4-6F175D3DCCD1}">
+            <a:ext uri="{909E8E84-426E-40dd-AFC4-6F175D3DCCD1}">
               <a14:hiddenFill xmlns:a14="http://schemas.microsoft.com/office/drawing/2010/main">
                 <a:solidFill>
                   <a:schemeClr val="accent1"/>
                 </a:solidFill>
               </a14:hiddenFill>
             </a:ext>
-            <a:ext uri="{91240B29-F687-4F45-9708-019B960494DF}">
+            <a:ext uri="{91240B29-F687-4f45-9708-019B960494DF}">
               <a14:hiddenLine xmlns:a14="http://schemas.microsoft.com/office/drawing/2010/main" w="9525">
                 <a:solidFill>
                   <a:schemeClr val="tx1"/>
@@ -274,7 +275,7 @@
                 <a:tailEnd/>
               </a14:hiddenLine>
             </a:ext>
-            <a:ext uri="{AF507438-7753-43E0-B8FC-AC1667EBCBE1}">
+            <a:ext uri="{AF507438-7753-43e0-B8FC-AC1667EBCBE1}">
               <a14:hiddenEffects xmlns:a14="http://schemas.microsoft.com/office/drawing/2010/main">
                 <a:effectLst>
                   <a:outerShdw dist="35921" dir="2700000" algn="ctr" rotWithShape="0">
@@ -328,14 +329,14 @@
           </a:ln>
           <a:effectLst/>
           <a:extLst>
-            <a:ext uri="{909E8E84-426E-40DD-AFC4-6F175D3DCCD1}">
+            <a:ext uri="{909E8E84-426E-40dd-AFC4-6F175D3DCCD1}">
               <a14:hiddenFill xmlns:a14="http://schemas.microsoft.com/office/drawing/2010/main">
                 <a:solidFill>
                   <a:schemeClr val="accent1"/>
                 </a:solidFill>
               </a14:hiddenFill>
             </a:ext>
-            <a:ext uri="{91240B29-F687-4F45-9708-019B960494DF}">
+            <a:ext uri="{91240B29-F687-4f45-9708-019B960494DF}">
               <a14:hiddenLine xmlns:a14="http://schemas.microsoft.com/office/drawing/2010/main" w="9525">
                 <a:solidFill>
                   <a:schemeClr val="tx1"/>
@@ -345,7 +346,7 @@
                 <a:tailEnd/>
               </a14:hiddenLine>
             </a:ext>
-            <a:ext uri="{AF507438-7753-43E0-B8FC-AC1667EBCBE1}">
+            <a:ext uri="{AF507438-7753-43e0-B8FC-AC1667EBCBE1}">
               <a14:hiddenEffects xmlns:a14="http://schemas.microsoft.com/office/drawing/2010/main">
                 <a:effectLst>
                   <a:outerShdw dist="35921" dir="2700000" algn="ctr" rotWithShape="0">
@@ -404,14 +405,14 @@
           </a:ln>
           <a:effectLst/>
           <a:extLst>
-            <a:ext uri="{909E8E84-426E-40DD-AFC4-6F175D3DCCD1}">
+            <a:ext uri="{909E8E84-426E-40dd-AFC4-6F175D3DCCD1}">
               <a14:hiddenFill xmlns:a14="http://schemas.microsoft.com/office/drawing/2010/main">
                 <a:solidFill>
                   <a:srgbClr val="FFFFFF"/>
                 </a:solidFill>
               </a14:hiddenFill>
             </a:ext>
-            <a:ext uri="{AF507438-7753-43E0-B8FC-AC1667EBCBE1}">
+            <a:ext uri="{AF507438-7753-43e0-B8FC-AC1667EBCBE1}">
               <a14:hiddenEffects xmlns:a14="http://schemas.microsoft.com/office/drawing/2010/main">
                 <a:effectLst>
                   <a:outerShdw dist="35921" dir="2700000" algn="ctr" rotWithShape="0">
@@ -420,7 +421,7 @@
                 </a:effectLst>
               </a14:hiddenEffects>
             </a:ext>
-            <a:ext uri="{53640926-AAD7-44D8-BBD7-CCE9431645EC}">
+            <a:ext uri="{53640926-AAD7-44d8-BBD7-CCE9431645EC}">
               <a14:shadowObscured xmlns:a14="http://schemas.microsoft.com/office/drawing/2010/main" val="1"/>
             </a:ext>
           </a:extLst>
@@ -450,14 +451,14 @@
           </a:ln>
           <a:effectLst/>
           <a:extLst>
-            <a:ext uri="{909E8E84-426E-40DD-AFC4-6F175D3DCCD1}">
+            <a:ext uri="{909E8E84-426E-40dd-AFC4-6F175D3DCCD1}">
               <a14:hiddenFill xmlns:a14="http://schemas.microsoft.com/office/drawing/2010/main">
                 <a:solidFill>
                   <a:schemeClr val="accent1"/>
                 </a:solidFill>
               </a14:hiddenFill>
             </a:ext>
-            <a:ext uri="{91240B29-F687-4F45-9708-019B960494DF}">
+            <a:ext uri="{91240B29-F687-4f45-9708-019B960494DF}">
               <a14:hiddenLine xmlns:a14="http://schemas.microsoft.com/office/drawing/2010/main" w="9525">
                 <a:solidFill>
                   <a:schemeClr val="tx1"/>
@@ -467,7 +468,7 @@
                 <a:tailEnd/>
               </a14:hiddenLine>
             </a:ext>
-            <a:ext uri="{AF507438-7753-43E0-B8FC-AC1667EBCBE1}">
+            <a:ext uri="{AF507438-7753-43e0-B8FC-AC1667EBCBE1}">
               <a14:hiddenEffects xmlns:a14="http://schemas.microsoft.com/office/drawing/2010/main">
                 <a:effectLst>
                   <a:outerShdw dist="35921" dir="2700000" algn="ctr" rotWithShape="0">
@@ -546,14 +547,14 @@
           </a:ln>
           <a:effectLst/>
           <a:extLst>
-            <a:ext uri="{909E8E84-426E-40DD-AFC4-6F175D3DCCD1}">
+            <a:ext uri="{909E8E84-426E-40dd-AFC4-6F175D3DCCD1}">
               <a14:hiddenFill xmlns:a14="http://schemas.microsoft.com/office/drawing/2010/main">
                 <a:solidFill>
                   <a:schemeClr val="accent1"/>
                 </a:solidFill>
               </a14:hiddenFill>
             </a:ext>
-            <a:ext uri="{91240B29-F687-4F45-9708-019B960494DF}">
+            <a:ext uri="{91240B29-F687-4f45-9708-019B960494DF}">
               <a14:hiddenLine xmlns:a14="http://schemas.microsoft.com/office/drawing/2010/main" w="9525">
                 <a:solidFill>
                   <a:schemeClr val="tx1"/>
@@ -563,7 +564,7 @@
                 <a:tailEnd/>
               </a14:hiddenLine>
             </a:ext>
-            <a:ext uri="{AF507438-7753-43E0-B8FC-AC1667EBCBE1}">
+            <a:ext uri="{AF507438-7753-43e0-B8FC-AC1667EBCBE1}">
               <a14:hiddenEffects xmlns:a14="http://schemas.microsoft.com/office/drawing/2010/main">
                 <a:effectLst>
                   <a:outerShdw dist="35921" dir="2700000" algn="ctr" rotWithShape="0">
@@ -617,14 +618,14 @@
           </a:ln>
           <a:effectLst/>
           <a:extLst>
-            <a:ext uri="{909E8E84-426E-40DD-AFC4-6F175D3DCCD1}">
+            <a:ext uri="{909E8E84-426E-40dd-AFC4-6F175D3DCCD1}">
               <a14:hiddenFill xmlns:a14="http://schemas.microsoft.com/office/drawing/2010/main">
                 <a:solidFill>
                   <a:schemeClr val="accent1"/>
                 </a:solidFill>
               </a14:hiddenFill>
             </a:ext>
-            <a:ext uri="{91240B29-F687-4F45-9708-019B960494DF}">
+            <a:ext uri="{91240B29-F687-4f45-9708-019B960494DF}">
               <a14:hiddenLine xmlns:a14="http://schemas.microsoft.com/office/drawing/2010/main" w="9525">
                 <a:solidFill>
                   <a:schemeClr val="tx1"/>
@@ -634,7 +635,7 @@
                 <a:tailEnd/>
               </a14:hiddenLine>
             </a:ext>
-            <a:ext uri="{AF507438-7753-43E0-B8FC-AC1667EBCBE1}">
+            <a:ext uri="{AF507438-7753-43e0-B8FC-AC1667EBCBE1}">
               <a14:hiddenEffects xmlns:a14="http://schemas.microsoft.com/office/drawing/2010/main">
                 <a:effectLst>
                   <a:outerShdw dist="35921" dir="2700000" algn="ctr" rotWithShape="0">
@@ -1012,12 +1013,7 @@
             <p:ph type="sldImg"/>
           </p:nvPr>
         </p:nvSpPr>
-        <p:spPr>
-          <a:xfrm>
-            <a:off x="381000" y="685800"/>
-            <a:ext cx="6096000" cy="3429000"/>
-          </a:xfrm>
-        </p:spPr>
+        <p:spPr/>
       </p:sp>
       <p:sp>
         <p:nvSpPr>
@@ -1031,9 +1027,7 @@
         </p:nvSpPr>
         <p:spPr/>
         <p:txBody>
-          <a:bodyPr>
-            <a:normAutofit/>
-          </a:bodyPr>
+          <a:bodyPr/>
           <a:lstStyle/>
           <a:p>
             <a:endParaRPr lang="zh-CN" altLang="en-US"/>
@@ -1055,24 +1049,18 @@
           <a:bodyPr/>
           <a:lstStyle/>
           <a:p>
-            <a:pPr>
-              <a:defRPr/>
-            </a:pPr>
-            <a:fld id="{CA5E8DB0-55DC-4221-A99C-988BCD133BF3}" type="slidenum">
-              <a:rPr lang="en-US" altLang="zh-CN" smtClean="0"/>
-              <a:pPr>
-                <a:defRPr/>
-              </a:pPr>
+            <a:fld id="{28179876-21DC-41E8-8E63-89BCD04AD88F}" type="slidenum">
+              <a:rPr lang="zh-CN" altLang="en-US" smtClean="0"/>
               <a:t>2</a:t>
             </a:fld>
-            <a:endParaRPr lang="en-US" altLang="zh-CN" dirty="0"/>
+            <a:endParaRPr lang="zh-CN" altLang="en-US"/>
           </a:p>
         </p:txBody>
       </p:sp>
     </p:spTree>
     <p:extLst>
       <p:ext uri="{BB962C8B-B14F-4D97-AF65-F5344CB8AC3E}">
-        <p14:creationId xmlns:p14="http://schemas.microsoft.com/office/powerpoint/2010/main" val="672191256"/>
+        <p14:creationId xmlns:p14="http://schemas.microsoft.com/office/powerpoint/2010/main" val="1496242527"/>
       </p:ext>
     </p:extLst>
   </p:cSld>
@@ -1217,7 +1205,7 @@
           </a:bodyPr>
           <a:lstStyle/>
           <a:p>
-            <a:endParaRPr lang="zh-CN" altLang="en-US" dirty="0"/>
+            <a:endParaRPr lang="zh-CN" altLang="en-US"/>
           </a:p>
         </p:txBody>
       </p:sp>
@@ -1253,6 +1241,103 @@
     </p:spTree>
     <p:extLst>
       <p:ext uri="{BB962C8B-B14F-4D97-AF65-F5344CB8AC3E}">
+        <p14:creationId xmlns:p14="http://schemas.microsoft.com/office/powerpoint/2010/main" val="672191256"/>
+      </p:ext>
+    </p:extLst>
+  </p:cSld>
+  <p:clrMapOvr>
+    <a:masterClrMapping/>
+  </p:clrMapOvr>
+</p:notes>
+</file>
+
+<file path=ppt/notesSlides/notesSlide6.xml><?xml version="1.0" encoding="utf-8"?>
+<p:notes xmlns:a="http://schemas.openxmlformats.org/drawingml/2006/main" xmlns:r="http://schemas.openxmlformats.org/officeDocument/2006/relationships" xmlns:p="http://schemas.openxmlformats.org/presentationml/2006/main">
+  <p:cSld>
+    <p:spTree>
+      <p:nvGrpSpPr>
+        <p:cNvPr id="1" name=""/>
+        <p:cNvGrpSpPr/>
+        <p:nvPr/>
+      </p:nvGrpSpPr>
+      <p:grpSpPr>
+        <a:xfrm>
+          <a:off x="0" y="0"/>
+          <a:ext cx="0" cy="0"/>
+          <a:chOff x="0" y="0"/>
+          <a:chExt cx="0" cy="0"/>
+        </a:xfrm>
+      </p:grpSpPr>
+      <p:sp>
+        <p:nvSpPr>
+          <p:cNvPr id="2" name="幻灯片图像占位符 1"/>
+          <p:cNvSpPr>
+            <a:spLocks noGrp="1" noRot="1" noChangeAspect="1"/>
+          </p:cNvSpPr>
+          <p:nvPr>
+            <p:ph type="sldImg"/>
+          </p:nvPr>
+        </p:nvSpPr>
+        <p:spPr>
+          <a:xfrm>
+            <a:off x="381000" y="685800"/>
+            <a:ext cx="6096000" cy="3429000"/>
+          </a:xfrm>
+        </p:spPr>
+      </p:sp>
+      <p:sp>
+        <p:nvSpPr>
+          <p:cNvPr id="3" name="备注占位符 2"/>
+          <p:cNvSpPr>
+            <a:spLocks noGrp="1"/>
+          </p:cNvSpPr>
+          <p:nvPr>
+            <p:ph type="body" idx="1"/>
+          </p:nvPr>
+        </p:nvSpPr>
+        <p:spPr/>
+        <p:txBody>
+          <a:bodyPr>
+            <a:normAutofit/>
+          </a:bodyPr>
+          <a:lstStyle/>
+          <a:p>
+            <a:endParaRPr lang="zh-CN" altLang="en-US" dirty="0"/>
+          </a:p>
+        </p:txBody>
+      </p:sp>
+      <p:sp>
+        <p:nvSpPr>
+          <p:cNvPr id="4" name="灯片编号占位符 3"/>
+          <p:cNvSpPr>
+            <a:spLocks noGrp="1"/>
+          </p:cNvSpPr>
+          <p:nvPr>
+            <p:ph type="sldNum" sz="quarter" idx="10"/>
+          </p:nvPr>
+        </p:nvSpPr>
+        <p:spPr/>
+        <p:txBody>
+          <a:bodyPr/>
+          <a:lstStyle/>
+          <a:p>
+            <a:pPr>
+              <a:defRPr/>
+            </a:pPr>
+            <a:fld id="{CA5E8DB0-55DC-4221-A99C-988BCD133BF3}" type="slidenum">
+              <a:rPr lang="en-US" altLang="zh-CN" smtClean="0"/>
+              <a:pPr>
+                <a:defRPr/>
+              </a:pPr>
+              <a:t>5</a:t>
+            </a:fld>
+            <a:endParaRPr lang="en-US" altLang="zh-CN" dirty="0"/>
+          </a:p>
+        </p:txBody>
+      </p:sp>
+    </p:spTree>
+    <p:extLst>
+      <p:ext uri="{BB962C8B-B14F-4D97-AF65-F5344CB8AC3E}">
         <p14:creationId xmlns:p14="http://schemas.microsoft.com/office/powerpoint/2010/main" val="983962133"/>
       </p:ext>
     </p:extLst>
@@ -1263,7 +1348,7 @@
 </p:notes>
 </file>
 
-<file path=ppt/notesSlides/notesSlide6.xml><?xml version="1.0" encoding="utf-8"?>
+<file path=ppt/notesSlides/notesSlide7.xml><?xml version="1.0" encoding="utf-8"?>
 <p:notes xmlns:a="http://schemas.openxmlformats.org/drawingml/2006/main" xmlns:r="http://schemas.openxmlformats.org/officeDocument/2006/relationships" xmlns:p="http://schemas.openxmlformats.org/presentationml/2006/main">
   <p:cSld>
     <p:spTree>
@@ -1328,7 +1413,7 @@
           <a:p>
             <a:fld id="{28179876-21DC-41E8-8E63-89BCD04AD88F}" type="slidenum">
               <a:rPr lang="zh-CN" altLang="en-US" smtClean="0"/>
-              <a:t>5</a:t>
+              <a:t>6</a:t>
             </a:fld>
             <a:endParaRPr lang="zh-CN" altLang="en-US"/>
           </a:p>
@@ -1389,7 +1474,7 @@
   <p:timing>
     <p:tnLst>
       <p:par>
-        <p:cTn id="1" dur="indefinite" restart="never" nodeType="tmRoot"/>
+        <p:cTn xmlns:p14="http://schemas.microsoft.com/office/powerpoint/2010/main" id="1" dur="indefinite" restart="never" nodeType="tmRoot"/>
       </p:par>
     </p:tnLst>
   </p:timing>
@@ -1438,7 +1523,7 @@
   <p:timing>
     <p:tnLst>
       <p:par>
-        <p:cTn id="1" dur="indefinite" restart="never" nodeType="tmRoot"/>
+        <p:cTn xmlns:p14="http://schemas.microsoft.com/office/powerpoint/2010/main" id="1" dur="indefinite" restart="never" nodeType="tmRoot"/>
       </p:par>
     </p:tnLst>
   </p:timing>
@@ -1487,7 +1572,7 @@
   <p:timing>
     <p:tnLst>
       <p:par>
-        <p:cTn id="1" dur="indefinite" restart="never" nodeType="tmRoot"/>
+        <p:cTn xmlns:p14="http://schemas.microsoft.com/office/powerpoint/2010/main" id="1" dur="indefinite" restart="never" nodeType="tmRoot"/>
       </p:par>
     </p:tnLst>
   </p:timing>
@@ -1536,7 +1621,7 @@
   <p:timing>
     <p:tnLst>
       <p:par>
-        <p:cTn id="1" dur="indefinite" restart="never" nodeType="tmRoot"/>
+        <p:cTn xmlns:p14="http://schemas.microsoft.com/office/powerpoint/2010/main" id="1" dur="indefinite" restart="never" nodeType="tmRoot"/>
       </p:par>
     </p:tnLst>
   </p:timing>
@@ -1585,7 +1670,7 @@
   <p:timing>
     <p:tnLst>
       <p:par>
-        <p:cTn id="1" dur="indefinite" restart="never" nodeType="tmRoot"/>
+        <p:cTn xmlns:p14="http://schemas.microsoft.com/office/powerpoint/2010/main" id="1" dur="indefinite" restart="never" nodeType="tmRoot"/>
       </p:par>
     </p:tnLst>
   </p:timing>
@@ -1634,7 +1719,7 @@
   <p:timing>
     <p:tnLst>
       <p:par>
-        <p:cTn id="1" dur="indefinite" restart="never" nodeType="tmRoot"/>
+        <p:cTn xmlns:p14="http://schemas.microsoft.com/office/powerpoint/2010/main" id="1" dur="indefinite" restart="never" nodeType="tmRoot"/>
       </p:par>
     </p:tnLst>
   </p:timing>
@@ -2117,7 +2202,7 @@
   <p:timing>
     <p:tnLst>
       <p:par>
-        <p:cTn id="1" dur="indefinite" restart="never" nodeType="tmRoot"/>
+        <p:cTn xmlns:p14="http://schemas.microsoft.com/office/powerpoint/2010/main" id="1" dur="indefinite" restart="never" nodeType="tmRoot"/>
       </p:par>
     </p:tnLst>
   </p:timing>
@@ -2290,12 +2375,12 @@
           </a:ln>
           <a:effectLst/>
           <a:extLst>
-            <a:ext uri="{909E8E84-426E-40DD-AFC4-6F175D3DCCD1}">
+            <a:ext uri="{909E8E84-426E-40dd-AFC4-6F175D3DCCD1}">
               <a14:hiddenFill xmlns:a14="http://schemas.microsoft.com/office/drawing/2010/main">
                 <a:noFill/>
               </a14:hiddenFill>
             </a:ext>
-            <a:ext uri="{AF507438-7753-43E0-B8FC-AC1667EBCBE1}">
+            <a:ext uri="{AF507438-7753-43e0-B8FC-AC1667EBCBE1}">
               <a14:hiddenEffects xmlns:a14="http://schemas.microsoft.com/office/drawing/2010/main">
                 <a:effectLst>
                   <a:outerShdw dist="35921" dir="2700000" algn="ctr" rotWithShape="0">
@@ -2336,7 +2421,7 @@
   <p:timing>
     <p:tnLst>
       <p:par>
-        <p:cTn id="1" dur="indefinite" restart="never" nodeType="tmRoot">
+        <p:cTn xmlns:p14="http://schemas.microsoft.com/office/powerpoint/2010/main" id="1" dur="indefinite" restart="never" nodeType="tmRoot">
           <p:childTnLst>
             <p:seq concurrent="1" nextAc="seek">
               <p:cTn id="2" dur="indefinite" nodeType="mainSeq">
@@ -3017,7 +3102,7 @@
           <a:p>
             <a:fld id="{91DCC52D-1059-4A24-8DF0-6F9EA1C9CDF3}" type="datetime1">
               <a:rPr lang="zh-CN" altLang="en-US" smtClean="0"/>
-              <a:t>2017/4/6</a:t>
+              <a:t>17/4/6</a:t>
             </a:fld>
             <a:endParaRPr lang="zh-CN" altLang="en-US"/>
           </a:p>
@@ -3386,7 +3471,7 @@
   <p:timing>
     <p:tnLst>
       <p:par>
-        <p:cTn id="1" dur="indefinite" restart="never" nodeType="tmRoot"/>
+        <p:cTn xmlns:p14="http://schemas.microsoft.com/office/powerpoint/2010/main" id="1" dur="indefinite" restart="never" nodeType="tmRoot"/>
       </p:par>
     </p:tnLst>
   </p:timing>
@@ -4231,7 +4316,7 @@
             </a:lstStyle>
             <a:p>
               <a:r>
-                <a:rPr lang="en-US" altLang="zh-CN" dirty="0">
+                <a:rPr lang="en-US" altLang="zh-CN" dirty="0" smtClean="0">
                   <a:solidFill>
                     <a:schemeClr val="tx2">
                       <a:lumMod val="60000"/>
@@ -4239,7 +4324,7 @@
                     </a:schemeClr>
                   </a:solidFill>
                 </a:rPr>
-                <a:t>Component</a:t>
+                <a:t>Activity</a:t>
               </a:r>
               <a:endParaRPr lang="zh-CN" altLang="en-US" dirty="0">
                 <a:solidFill>
@@ -4388,7 +4473,7 @@
   <p:timing>
     <p:tnLst>
       <p:par>
-        <p:cTn id="1" dur="indefinite" restart="never" nodeType="tmRoot">
+        <p:cTn xmlns:p14="http://schemas.microsoft.com/office/powerpoint/2010/main" id="1" dur="indefinite" restart="never" nodeType="tmRoot">
           <p:childTnLst>
             <p:seq concurrent="1" nextAc="seek">
               <p:cTn id="2" dur="indefinite" nodeType="mainSeq">
@@ -4817,6 +4902,1122 @@
 </file>
 
 <file path=ppt/slides/slide3.xml><?xml version="1.0" encoding="utf-8"?>
+<p:sld xmlns:a="http://schemas.openxmlformats.org/drawingml/2006/main" xmlns:r="http://schemas.openxmlformats.org/officeDocument/2006/relationships" xmlns:p="http://schemas.openxmlformats.org/presentationml/2006/main">
+  <p:cSld>
+    <p:spTree>
+      <p:nvGrpSpPr>
+        <p:cNvPr id="1" name=""/>
+        <p:cNvGrpSpPr/>
+        <p:nvPr/>
+      </p:nvGrpSpPr>
+      <p:grpSpPr>
+        <a:xfrm>
+          <a:off x="0" y="0"/>
+          <a:ext cx="0" cy="0"/>
+          <a:chOff x="0" y="0"/>
+          <a:chExt cx="0" cy="0"/>
+        </a:xfrm>
+      </p:grpSpPr>
+      <p:sp>
+        <p:nvSpPr>
+          <p:cNvPr id="2" name="日期占位符 1"/>
+          <p:cNvSpPr>
+            <a:spLocks noGrp="1"/>
+          </p:cNvSpPr>
+          <p:nvPr>
+            <p:ph type="dt" sz="half" idx="4294967295"/>
+          </p:nvPr>
+        </p:nvSpPr>
+        <p:spPr>
+          <a:xfrm>
+            <a:off x="62136" y="4803335"/>
+            <a:ext cx="2133600" cy="273844"/>
+          </a:xfrm>
+          <a:prstGeom prst="rect">
+            <a:avLst/>
+          </a:prstGeom>
+        </p:spPr>
+        <p:txBody>
+          <a:bodyPr/>
+          <a:lstStyle/>
+          <a:p>
+            <a:fld id="{91DCC52D-1059-4A24-8DF0-6F9EA1C9CDF3}" type="datetime1">
+              <a:rPr lang="zh-CN" altLang="en-US" smtClean="0"/>
+              <a:t>17/4/6</a:t>
+            </a:fld>
+            <a:endParaRPr lang="zh-CN" altLang="en-US"/>
+          </a:p>
+        </p:txBody>
+      </p:sp>
+      <p:grpSp>
+        <p:nvGrpSpPr>
+          <p:cNvPr id="23" name="组合 22"/>
+          <p:cNvGrpSpPr/>
+          <p:nvPr/>
+        </p:nvGrpSpPr>
+        <p:grpSpPr>
+          <a:xfrm>
+            <a:off x="1187624" y="195486"/>
+            <a:ext cx="1515760" cy="72008"/>
+            <a:chOff x="539552" y="195486"/>
+            <a:chExt cx="1482080" cy="72008"/>
+          </a:xfrm>
+        </p:grpSpPr>
+        <p:sp>
+          <p:nvSpPr>
+            <p:cNvPr id="24" name="矩形 23"/>
+            <p:cNvSpPr/>
+            <p:nvPr/>
+          </p:nvSpPr>
+          <p:spPr>
+            <a:xfrm>
+              <a:off x="539552" y="195486"/>
+              <a:ext cx="720080" cy="72008"/>
+            </a:xfrm>
+            <a:prstGeom prst="rect">
+              <a:avLst/>
+            </a:prstGeom>
+            <a:solidFill>
+              <a:schemeClr val="tx2">
+                <a:lumMod val="60000"/>
+                <a:lumOff val="40000"/>
+              </a:schemeClr>
+            </a:solidFill>
+            <a:ln>
+              <a:noFill/>
+            </a:ln>
+          </p:spPr>
+          <p:style>
+            <a:lnRef idx="2">
+              <a:schemeClr val="accent1">
+                <a:shade val="50000"/>
+              </a:schemeClr>
+            </a:lnRef>
+            <a:fillRef idx="1">
+              <a:schemeClr val="accent1"/>
+            </a:fillRef>
+            <a:effectRef idx="0">
+              <a:schemeClr val="accent1"/>
+            </a:effectRef>
+            <a:fontRef idx="minor">
+              <a:schemeClr val="lt1"/>
+            </a:fontRef>
+          </p:style>
+          <p:txBody>
+            <a:bodyPr rtlCol="0" anchor="ctr"/>
+            <a:lstStyle/>
+            <a:p>
+              <a:pPr algn="ctr"/>
+              <a:endParaRPr lang="zh-CN" altLang="en-US"/>
+            </a:p>
+          </p:txBody>
+        </p:sp>
+        <p:sp>
+          <p:nvSpPr>
+            <p:cNvPr id="25" name="矩形 24"/>
+            <p:cNvSpPr/>
+            <p:nvPr/>
+          </p:nvSpPr>
+          <p:spPr>
+            <a:xfrm>
+              <a:off x="1301552" y="195486"/>
+              <a:ext cx="720080" cy="72008"/>
+            </a:xfrm>
+            <a:prstGeom prst="rect">
+              <a:avLst/>
+            </a:prstGeom>
+            <a:solidFill>
+              <a:schemeClr val="tx2">
+                <a:lumMod val="50000"/>
+              </a:schemeClr>
+            </a:solidFill>
+            <a:ln>
+              <a:noFill/>
+            </a:ln>
+          </p:spPr>
+          <p:style>
+            <a:lnRef idx="2">
+              <a:schemeClr val="accent1">
+                <a:shade val="50000"/>
+              </a:schemeClr>
+            </a:lnRef>
+            <a:fillRef idx="1">
+              <a:schemeClr val="accent1"/>
+            </a:fillRef>
+            <a:effectRef idx="0">
+              <a:schemeClr val="accent1"/>
+            </a:effectRef>
+            <a:fontRef idx="minor">
+              <a:schemeClr val="lt1"/>
+            </a:fontRef>
+          </p:style>
+          <p:txBody>
+            <a:bodyPr rtlCol="0" anchor="ctr"/>
+            <a:lstStyle/>
+            <a:p>
+              <a:pPr algn="ctr"/>
+              <a:endParaRPr lang="zh-CN" altLang="en-US"/>
+            </a:p>
+          </p:txBody>
+        </p:sp>
+      </p:grpSp>
+      <p:sp>
+        <p:nvSpPr>
+          <p:cNvPr id="26" name="TextBox 25"/>
+          <p:cNvSpPr txBox="1"/>
+          <p:nvPr/>
+        </p:nvSpPr>
+        <p:spPr>
+          <a:xfrm>
+            <a:off x="1115616" y="267494"/>
+            <a:ext cx="723275" cy="253916"/>
+          </a:xfrm>
+          <a:prstGeom prst="rect">
+            <a:avLst/>
+          </a:prstGeom>
+          <a:noFill/>
+        </p:spPr>
+        <p:txBody>
+          <a:bodyPr wrap="none" rtlCol="0">
+            <a:spAutoFit/>
+          </a:bodyPr>
+          <a:lstStyle/>
+          <a:p>
+            <a:r>
+              <a:rPr lang="en-US" altLang="zh-CN" sz="1050" dirty="0">
+                <a:solidFill>
+                  <a:srgbClr val="C00000"/>
+                </a:solidFill>
+                <a:latin typeface="Impact" pitchFamily="34" charset="0"/>
+              </a:rPr>
+              <a:t>DESIGNER:</a:t>
+            </a:r>
+            <a:endParaRPr lang="zh-CN" altLang="en-US" sz="1050" dirty="0">
+              <a:solidFill>
+                <a:srgbClr val="C00000"/>
+              </a:solidFill>
+              <a:latin typeface="Impact" pitchFamily="34" charset="0"/>
+              <a:ea typeface="微软雅黑" pitchFamily="34" charset="-122"/>
+            </a:endParaRPr>
+          </a:p>
+        </p:txBody>
+      </p:sp>
+      <p:sp>
+        <p:nvSpPr>
+          <p:cNvPr id="27" name="TextBox 26"/>
+          <p:cNvSpPr txBox="1"/>
+          <p:nvPr/>
+        </p:nvSpPr>
+        <p:spPr>
+          <a:xfrm>
+            <a:off x="1089274" y="397184"/>
+            <a:ext cx="808235" cy="338554"/>
+          </a:xfrm>
+          <a:prstGeom prst="rect">
+            <a:avLst/>
+          </a:prstGeom>
+          <a:noFill/>
+        </p:spPr>
+        <p:txBody>
+          <a:bodyPr wrap="none" rtlCol="0">
+            <a:spAutoFit/>
+          </a:bodyPr>
+          <a:lstStyle/>
+          <a:p>
+            <a:r>
+              <a:rPr lang="zh-CN" altLang="en-US" sz="1600" dirty="0" smtClean="0">
+                <a:solidFill>
+                  <a:schemeClr val="bg1">
+                    <a:lumMod val="50000"/>
+                  </a:schemeClr>
+                </a:solidFill>
+                <a:latin typeface="Impact" pitchFamily="34" charset="0"/>
+                <a:ea typeface="微软雅黑" pitchFamily="34" charset="-122"/>
+              </a:rPr>
+              <a:t>李文田</a:t>
+            </a:r>
+            <a:endParaRPr lang="zh-CN" altLang="en-US" sz="1600" b="1" dirty="0">
+              <a:solidFill>
+                <a:srgbClr val="E74C2E"/>
+              </a:solidFill>
+              <a:latin typeface="Impact" pitchFamily="34" charset="0"/>
+              <a:ea typeface="微软雅黑" pitchFamily="34" charset="-122"/>
+            </a:endParaRPr>
+          </a:p>
+        </p:txBody>
+      </p:sp>
+      <p:pic>
+        <p:nvPicPr>
+          <p:cNvPr id="29" name="图片 28"/>
+          <p:cNvPicPr>
+            <a:picLocks noChangeAspect="1"/>
+          </p:cNvPicPr>
+          <p:nvPr/>
+        </p:nvPicPr>
+        <p:blipFill>
+          <a:blip r:embed="rId3">
+            <a:extLst>
+              <a:ext uri="{28A0092B-C50C-407E-A947-70E740481C1C}">
+                <a14:useLocalDpi xmlns:a14="http://schemas.microsoft.com/office/drawing/2010/main" val="0"/>
+              </a:ext>
+            </a:extLst>
+          </a:blip>
+          <a:stretch>
+            <a:fillRect/>
+          </a:stretch>
+        </p:blipFill>
+        <p:spPr>
+          <a:xfrm>
+            <a:off x="7870039" y="76220"/>
+            <a:ext cx="1058185" cy="529093"/>
+          </a:xfrm>
+          <a:prstGeom prst="rect">
+            <a:avLst/>
+          </a:prstGeom>
+          <a:ln>
+            <a:solidFill>
+              <a:srgbClr val="EC6433"/>
+            </a:solidFill>
+          </a:ln>
+        </p:spPr>
+      </p:pic>
+      <p:pic>
+        <p:nvPicPr>
+          <p:cNvPr id="9" name="图片 8"/>
+          <p:cNvPicPr>
+            <a:picLocks noChangeAspect="1"/>
+          </p:cNvPicPr>
+          <p:nvPr/>
+        </p:nvPicPr>
+        <p:blipFill>
+          <a:blip r:embed="rId4">
+            <a:extLst>
+              <a:ext uri="{28A0092B-C50C-407E-A947-70E740481C1C}">
+                <a14:useLocalDpi xmlns:a14="http://schemas.microsoft.com/office/drawing/2010/main" val="0"/>
+              </a:ext>
+            </a:extLst>
+          </a:blip>
+          <a:stretch>
+            <a:fillRect/>
+          </a:stretch>
+        </p:blipFill>
+        <p:spPr>
+          <a:xfrm>
+            <a:off x="149568" y="917208"/>
+            <a:ext cx="4126270" cy="3094702"/>
+          </a:xfrm>
+          <a:prstGeom prst="rect">
+            <a:avLst/>
+          </a:prstGeom>
+        </p:spPr>
+      </p:pic>
+      <p:sp>
+        <p:nvSpPr>
+          <p:cNvPr id="12" name="矩形 26"/>
+          <p:cNvSpPr>
+            <a:spLocks noChangeArrowheads="1"/>
+          </p:cNvSpPr>
+          <p:nvPr/>
+        </p:nvSpPr>
+        <p:spPr bwMode="auto">
+          <a:xfrm>
+            <a:off x="4281518" y="936258"/>
+            <a:ext cx="4436362" cy="2231585"/>
+          </a:xfrm>
+          <a:prstGeom prst="rect">
+            <a:avLst/>
+          </a:prstGeom>
+          <a:noFill/>
+          <a:ln>
+            <a:noFill/>
+          </a:ln>
+          <a:extLst>
+            <a:ext uri="{909E8E84-426E-40dd-AFC4-6F175D3DCCD1}">
+              <a14:hiddenFill xmlns:a14="http://schemas.microsoft.com/office/drawing/2010/main">
+                <a:solidFill>
+                  <a:srgbClr val="FFFFFF"/>
+                </a:solidFill>
+              </a14:hiddenFill>
+            </a:ext>
+            <a:ext uri="{91240B29-F687-4f45-9708-019B960494DF}">
+              <a14:hiddenLine xmlns:a14="http://schemas.microsoft.com/office/drawing/2010/main" w="9525">
+                <a:solidFill>
+                  <a:srgbClr val="000000"/>
+                </a:solidFill>
+                <a:miter lim="800000"/>
+                <a:headEnd/>
+                <a:tailEnd/>
+              </a14:hiddenLine>
+            </a:ext>
+          </a:extLst>
+        </p:spPr>
+        <p:txBody>
+          <a:bodyPr lIns="68580" tIns="34290" rIns="68580" bIns="34290" anchor="ctr"/>
+          <a:lstStyle/>
+          <a:p>
+            <a:pPr algn="ctr"/>
+            <a:r>
+              <a:rPr lang="en-US" altLang="zh-CN" sz="6000" spc="225" dirty="0" smtClean="0">
+                <a:solidFill>
+                  <a:schemeClr val="tx1">
+                    <a:lumMod val="50000"/>
+                    <a:lumOff val="50000"/>
+                  </a:schemeClr>
+                </a:solidFill>
+                <a:latin typeface="微软雅黑" panose="020B0503020204020204" pitchFamily="34" charset="-122"/>
+                <a:ea typeface="微软雅黑" panose="020B0503020204020204" pitchFamily="34" charset="-122"/>
+              </a:rPr>
+              <a:t>Handler</a:t>
+            </a:r>
+            <a:endParaRPr lang="en-US" altLang="zh-CN" sz="6000" spc="225" dirty="0" smtClean="0">
+              <a:solidFill>
+                <a:schemeClr val="tx1">
+                  <a:lumMod val="50000"/>
+                  <a:lumOff val="50000"/>
+                </a:schemeClr>
+              </a:solidFill>
+              <a:latin typeface="微软雅黑" panose="020B0503020204020204" pitchFamily="34" charset="-122"/>
+              <a:ea typeface="微软雅黑" panose="020B0503020204020204" pitchFamily="34" charset="-122"/>
+            </a:endParaRPr>
+          </a:p>
+        </p:txBody>
+      </p:sp>
+    </p:spTree>
+    <p:extLst>
+      <p:ext uri="{BB962C8B-B14F-4D97-AF65-F5344CB8AC3E}">
+        <p14:creationId xmlns:p14="http://schemas.microsoft.com/office/powerpoint/2010/main" val="117318083"/>
+      </p:ext>
+    </p:extLst>
+  </p:cSld>
+  <p:clrMapOvr>
+    <a:masterClrMapping/>
+  </p:clrMapOvr>
+  <mc:AlternateContent xmlns:mc="http://schemas.openxmlformats.org/markup-compatibility/2006" xmlns:p14="http://schemas.microsoft.com/office/powerpoint/2010/main">
+    <mc:Choice Requires="p14">
+      <p:transition spd="slow" p14:dur="1500">
+        <p14:window dir="vert"/>
+      </p:transition>
+    </mc:Choice>
+    <mc:Fallback xmlns="">
+      <p:transition spd="slow">
+        <p:fade/>
+      </p:transition>
+    </mc:Fallback>
+  </mc:AlternateContent>
+  <p:timing>
+    <p:tnLst>
+      <p:par>
+        <p:cTn xmlns:p14="http://schemas.microsoft.com/office/powerpoint/2010/main" id="1" dur="indefinite" restart="never" nodeType="tmRoot">
+          <p:childTnLst>
+            <p:seq concurrent="1" nextAc="seek">
+              <p:cTn id="2" dur="indefinite" nodeType="mainSeq">
+                <p:childTnLst>
+                  <p:par>
+                    <p:cTn id="3" fill="hold">
+                      <p:stCondLst>
+                        <p:cond delay="indefinite"/>
+                        <p:cond evt="onBegin" delay="0">
+                          <p:tn val="2"/>
+                        </p:cond>
+                      </p:stCondLst>
+                      <p:childTnLst>
+                        <p:par>
+                          <p:cTn id="4" fill="hold">
+                            <p:stCondLst>
+                              <p:cond delay="0"/>
+                            </p:stCondLst>
+                            <p:childTnLst>
+                              <p:par>
+                                <p:cTn id="5" presetID="27" presetClass="entr" presetSubtype="0" fill="hold" grpId="0" nodeType="afterEffect">
+                                  <p:stCondLst>
+                                    <p:cond delay="0"/>
+                                  </p:stCondLst>
+                                  <p:iterate type="lt">
+                                    <p:tmPct val="50000"/>
+                                  </p:iterate>
+                                  <p:childTnLst>
+                                    <p:set>
+                                      <p:cBhvr>
+                                        <p:cTn id="6" dur="1" fill="hold">
+                                          <p:stCondLst>
+                                            <p:cond delay="0"/>
+                                          </p:stCondLst>
+                                        </p:cTn>
+                                        <p:tgtEl>
+                                          <p:spTgt spid="12"/>
+                                        </p:tgtEl>
+                                        <p:attrNameLst>
+                                          <p:attrName>style.visibility</p:attrName>
+                                        </p:attrNameLst>
+                                      </p:cBhvr>
+                                      <p:to>
+                                        <p:strVal val="visible"/>
+                                      </p:to>
+                                    </p:set>
+                                    <p:anim calcmode="discrete" valueType="clr">
+                                      <p:cBhvr override="childStyle">
+                                        <p:cTn id="7" dur="200"/>
+                                        <p:tgtEl>
+                                          <p:spTgt spid="12"/>
+                                        </p:tgtEl>
+                                        <p:attrNameLst>
+                                          <p:attrName>style.color</p:attrName>
+                                        </p:attrNameLst>
+                                      </p:cBhvr>
+                                      <p:tavLst>
+                                        <p:tav tm="0">
+                                          <p:val>
+                                            <p:clrVal>
+                                              <a:schemeClr val="accent2"/>
+                                            </p:clrVal>
+                                          </p:val>
+                                        </p:tav>
+                                        <p:tav tm="50000">
+                                          <p:val>
+                                            <p:clrVal>
+                                              <a:schemeClr val="hlink"/>
+                                            </p:clrVal>
+                                          </p:val>
+                                        </p:tav>
+                                      </p:tavLst>
+                                    </p:anim>
+                                    <p:anim calcmode="discrete" valueType="clr">
+                                      <p:cBhvr>
+                                        <p:cTn id="8" dur="200"/>
+                                        <p:tgtEl>
+                                          <p:spTgt spid="12"/>
+                                        </p:tgtEl>
+                                        <p:attrNameLst>
+                                          <p:attrName>fillcolor</p:attrName>
+                                        </p:attrNameLst>
+                                      </p:cBhvr>
+                                      <p:tavLst>
+                                        <p:tav tm="0">
+                                          <p:val>
+                                            <p:clrVal>
+                                              <a:schemeClr val="accent2"/>
+                                            </p:clrVal>
+                                          </p:val>
+                                        </p:tav>
+                                        <p:tav tm="50000">
+                                          <p:val>
+                                            <p:clrVal>
+                                              <a:schemeClr val="hlink"/>
+                                            </p:clrVal>
+                                          </p:val>
+                                        </p:tav>
+                                      </p:tavLst>
+                                    </p:anim>
+                                    <p:set>
+                                      <p:cBhvr>
+                                        <p:cTn id="9" dur="200"/>
+                                        <p:tgtEl>
+                                          <p:spTgt spid="12"/>
+                                        </p:tgtEl>
+                                        <p:attrNameLst>
+                                          <p:attrName>fill.type</p:attrName>
+                                        </p:attrNameLst>
+                                      </p:cBhvr>
+                                      <p:to>
+                                        <p:strVal val="solid"/>
+                                      </p:to>
+                                    </p:set>
+                                  </p:childTnLst>
+                                </p:cTn>
+                              </p:par>
+                            </p:childTnLst>
+                          </p:cTn>
+                        </p:par>
+                      </p:childTnLst>
+                    </p:cTn>
+                  </p:par>
+                </p:childTnLst>
+              </p:cTn>
+              <p:prevCondLst>
+                <p:cond evt="onPrev" delay="0">
+                  <p:tgtEl>
+                    <p:sldTgt/>
+                  </p:tgtEl>
+                </p:cond>
+              </p:prevCondLst>
+              <p:nextCondLst>
+                <p:cond evt="onNext" delay="0">
+                  <p:tgtEl>
+                    <p:sldTgt/>
+                  </p:tgtEl>
+                </p:cond>
+              </p:nextCondLst>
+            </p:seq>
+          </p:childTnLst>
+        </p:cTn>
+      </p:par>
+    </p:tnLst>
+    <p:bldLst>
+      <p:bldP spid="12" grpId="0" bldLvl="0" autoUpdateAnimBg="0"/>
+    </p:bldLst>
+  </p:timing>
+</p:sld>
+</file>
+
+<file path=ppt/slides/slide4.xml><?xml version="1.0" encoding="utf-8"?>
+<p:sld xmlns:a="http://schemas.openxmlformats.org/drawingml/2006/main" xmlns:r="http://schemas.openxmlformats.org/officeDocument/2006/relationships" xmlns:p="http://schemas.openxmlformats.org/presentationml/2006/main">
+  <p:cSld>
+    <p:spTree>
+      <p:nvGrpSpPr>
+        <p:cNvPr id="1" name=""/>
+        <p:cNvGrpSpPr/>
+        <p:nvPr/>
+      </p:nvGrpSpPr>
+      <p:grpSpPr>
+        <a:xfrm>
+          <a:off x="0" y="0"/>
+          <a:ext cx="0" cy="0"/>
+          <a:chOff x="0" y="0"/>
+          <a:chExt cx="0" cy="0"/>
+        </a:xfrm>
+      </p:grpSpPr>
+      <p:sp>
+        <p:nvSpPr>
+          <p:cNvPr id="2" name="日期占位符 1"/>
+          <p:cNvSpPr>
+            <a:spLocks noGrp="1"/>
+          </p:cNvSpPr>
+          <p:nvPr>
+            <p:ph type="dt" sz="half" idx="4294967295"/>
+          </p:nvPr>
+        </p:nvSpPr>
+        <p:spPr>
+          <a:xfrm>
+            <a:off x="62136" y="4803335"/>
+            <a:ext cx="2133600" cy="273844"/>
+          </a:xfrm>
+          <a:prstGeom prst="rect">
+            <a:avLst/>
+          </a:prstGeom>
+        </p:spPr>
+        <p:txBody>
+          <a:bodyPr/>
+          <a:lstStyle/>
+          <a:p>
+            <a:fld id="{91DCC52D-1059-4A24-8DF0-6F9EA1C9CDF3}" type="datetime1">
+              <a:rPr lang="zh-CN" altLang="en-US" smtClean="0"/>
+              <a:t>17/4/6</a:t>
+            </a:fld>
+            <a:endParaRPr lang="zh-CN" altLang="en-US"/>
+          </a:p>
+        </p:txBody>
+      </p:sp>
+      <p:grpSp>
+        <p:nvGrpSpPr>
+          <p:cNvPr id="23" name="组合 22"/>
+          <p:cNvGrpSpPr/>
+          <p:nvPr/>
+        </p:nvGrpSpPr>
+        <p:grpSpPr>
+          <a:xfrm>
+            <a:off x="1187624" y="195486"/>
+            <a:ext cx="1515760" cy="72008"/>
+            <a:chOff x="539552" y="195486"/>
+            <a:chExt cx="1482080" cy="72008"/>
+          </a:xfrm>
+        </p:grpSpPr>
+        <p:sp>
+          <p:nvSpPr>
+            <p:cNvPr id="24" name="矩形 23"/>
+            <p:cNvSpPr/>
+            <p:nvPr/>
+          </p:nvSpPr>
+          <p:spPr>
+            <a:xfrm>
+              <a:off x="539552" y="195486"/>
+              <a:ext cx="720080" cy="72008"/>
+            </a:xfrm>
+            <a:prstGeom prst="rect">
+              <a:avLst/>
+            </a:prstGeom>
+            <a:solidFill>
+              <a:schemeClr val="tx2">
+                <a:lumMod val="60000"/>
+                <a:lumOff val="40000"/>
+              </a:schemeClr>
+            </a:solidFill>
+            <a:ln>
+              <a:noFill/>
+            </a:ln>
+          </p:spPr>
+          <p:style>
+            <a:lnRef idx="2">
+              <a:schemeClr val="accent1">
+                <a:shade val="50000"/>
+              </a:schemeClr>
+            </a:lnRef>
+            <a:fillRef idx="1">
+              <a:schemeClr val="accent1"/>
+            </a:fillRef>
+            <a:effectRef idx="0">
+              <a:schemeClr val="accent1"/>
+            </a:effectRef>
+            <a:fontRef idx="minor">
+              <a:schemeClr val="lt1"/>
+            </a:fontRef>
+          </p:style>
+          <p:txBody>
+            <a:bodyPr rtlCol="0" anchor="ctr"/>
+            <a:lstStyle/>
+            <a:p>
+              <a:pPr algn="ctr"/>
+              <a:endParaRPr lang="zh-CN" altLang="en-US"/>
+            </a:p>
+          </p:txBody>
+        </p:sp>
+        <p:sp>
+          <p:nvSpPr>
+            <p:cNvPr id="25" name="矩形 24"/>
+            <p:cNvSpPr/>
+            <p:nvPr/>
+          </p:nvSpPr>
+          <p:spPr>
+            <a:xfrm>
+              <a:off x="1301552" y="195486"/>
+              <a:ext cx="720080" cy="72008"/>
+            </a:xfrm>
+            <a:prstGeom prst="rect">
+              <a:avLst/>
+            </a:prstGeom>
+            <a:solidFill>
+              <a:schemeClr val="tx2">
+                <a:lumMod val="50000"/>
+              </a:schemeClr>
+            </a:solidFill>
+            <a:ln>
+              <a:noFill/>
+            </a:ln>
+          </p:spPr>
+          <p:style>
+            <a:lnRef idx="2">
+              <a:schemeClr val="accent1">
+                <a:shade val="50000"/>
+              </a:schemeClr>
+            </a:lnRef>
+            <a:fillRef idx="1">
+              <a:schemeClr val="accent1"/>
+            </a:fillRef>
+            <a:effectRef idx="0">
+              <a:schemeClr val="accent1"/>
+            </a:effectRef>
+            <a:fontRef idx="minor">
+              <a:schemeClr val="lt1"/>
+            </a:fontRef>
+          </p:style>
+          <p:txBody>
+            <a:bodyPr rtlCol="0" anchor="ctr"/>
+            <a:lstStyle/>
+            <a:p>
+              <a:pPr algn="ctr"/>
+              <a:endParaRPr lang="zh-CN" altLang="en-US"/>
+            </a:p>
+          </p:txBody>
+        </p:sp>
+      </p:grpSp>
+      <p:sp>
+        <p:nvSpPr>
+          <p:cNvPr id="26" name="TextBox 25"/>
+          <p:cNvSpPr txBox="1"/>
+          <p:nvPr/>
+        </p:nvSpPr>
+        <p:spPr>
+          <a:xfrm>
+            <a:off x="1115616" y="267494"/>
+            <a:ext cx="723275" cy="253916"/>
+          </a:xfrm>
+          <a:prstGeom prst="rect">
+            <a:avLst/>
+          </a:prstGeom>
+          <a:noFill/>
+        </p:spPr>
+        <p:txBody>
+          <a:bodyPr wrap="none" rtlCol="0">
+            <a:spAutoFit/>
+          </a:bodyPr>
+          <a:lstStyle/>
+          <a:p>
+            <a:r>
+              <a:rPr lang="en-US" altLang="zh-CN" sz="1050" dirty="0">
+                <a:solidFill>
+                  <a:srgbClr val="C00000"/>
+                </a:solidFill>
+                <a:latin typeface="Impact" pitchFamily="34" charset="0"/>
+              </a:rPr>
+              <a:t>DESIGNER:</a:t>
+            </a:r>
+            <a:endParaRPr lang="zh-CN" altLang="en-US" sz="1050" dirty="0">
+              <a:solidFill>
+                <a:srgbClr val="C00000"/>
+              </a:solidFill>
+              <a:latin typeface="Impact" pitchFamily="34" charset="0"/>
+              <a:ea typeface="微软雅黑" pitchFamily="34" charset="-122"/>
+            </a:endParaRPr>
+          </a:p>
+        </p:txBody>
+      </p:sp>
+      <p:sp>
+        <p:nvSpPr>
+          <p:cNvPr id="27" name="TextBox 26"/>
+          <p:cNvSpPr txBox="1"/>
+          <p:nvPr/>
+        </p:nvSpPr>
+        <p:spPr>
+          <a:xfrm>
+            <a:off x="1089274" y="397184"/>
+            <a:ext cx="808235" cy="338554"/>
+          </a:xfrm>
+          <a:prstGeom prst="rect">
+            <a:avLst/>
+          </a:prstGeom>
+          <a:noFill/>
+        </p:spPr>
+        <p:txBody>
+          <a:bodyPr wrap="none" rtlCol="0">
+            <a:spAutoFit/>
+          </a:bodyPr>
+          <a:lstStyle/>
+          <a:p>
+            <a:r>
+              <a:rPr lang="zh-CN" altLang="en-US" sz="1600" dirty="0" smtClean="0">
+                <a:solidFill>
+                  <a:schemeClr val="bg1">
+                    <a:lumMod val="50000"/>
+                  </a:schemeClr>
+                </a:solidFill>
+                <a:latin typeface="Impact" pitchFamily="34" charset="0"/>
+                <a:ea typeface="微软雅黑" pitchFamily="34" charset="-122"/>
+              </a:rPr>
+              <a:t>李文田</a:t>
+            </a:r>
+            <a:endParaRPr lang="zh-CN" altLang="en-US" sz="1600" b="1" dirty="0">
+              <a:solidFill>
+                <a:srgbClr val="E74C2E"/>
+              </a:solidFill>
+              <a:latin typeface="Impact" pitchFamily="34" charset="0"/>
+              <a:ea typeface="微软雅黑" pitchFamily="34" charset="-122"/>
+            </a:endParaRPr>
+          </a:p>
+        </p:txBody>
+      </p:sp>
+      <p:pic>
+        <p:nvPicPr>
+          <p:cNvPr id="29" name="图片 28"/>
+          <p:cNvPicPr>
+            <a:picLocks noChangeAspect="1"/>
+          </p:cNvPicPr>
+          <p:nvPr/>
+        </p:nvPicPr>
+        <p:blipFill>
+          <a:blip r:embed="rId3">
+            <a:extLst>
+              <a:ext uri="{28A0092B-C50C-407E-A947-70E740481C1C}">
+                <a14:useLocalDpi xmlns:a14="http://schemas.microsoft.com/office/drawing/2010/main" val="0"/>
+              </a:ext>
+            </a:extLst>
+          </a:blip>
+          <a:stretch>
+            <a:fillRect/>
+          </a:stretch>
+        </p:blipFill>
+        <p:spPr>
+          <a:xfrm>
+            <a:off x="7870039" y="76220"/>
+            <a:ext cx="1058185" cy="529093"/>
+          </a:xfrm>
+          <a:prstGeom prst="rect">
+            <a:avLst/>
+          </a:prstGeom>
+          <a:ln>
+            <a:solidFill>
+              <a:srgbClr val="EC6433"/>
+            </a:solidFill>
+          </a:ln>
+        </p:spPr>
+      </p:pic>
+      <p:pic>
+        <p:nvPicPr>
+          <p:cNvPr id="9" name="图片 8"/>
+          <p:cNvPicPr>
+            <a:picLocks noChangeAspect="1"/>
+          </p:cNvPicPr>
+          <p:nvPr/>
+        </p:nvPicPr>
+        <p:blipFill>
+          <a:blip r:embed="rId4">
+            <a:extLst>
+              <a:ext uri="{28A0092B-C50C-407E-A947-70E740481C1C}">
+                <a14:useLocalDpi xmlns:a14="http://schemas.microsoft.com/office/drawing/2010/main" val="0"/>
+              </a:ext>
+            </a:extLst>
+          </a:blip>
+          <a:stretch>
+            <a:fillRect/>
+          </a:stretch>
+        </p:blipFill>
+        <p:spPr>
+          <a:xfrm>
+            <a:off x="149568" y="917208"/>
+            <a:ext cx="4126270" cy="3094702"/>
+          </a:xfrm>
+          <a:prstGeom prst="rect">
+            <a:avLst/>
+          </a:prstGeom>
+        </p:spPr>
+      </p:pic>
+      <p:sp>
+        <p:nvSpPr>
+          <p:cNvPr id="12" name="矩形 26"/>
+          <p:cNvSpPr>
+            <a:spLocks noChangeArrowheads="1"/>
+          </p:cNvSpPr>
+          <p:nvPr/>
+        </p:nvSpPr>
+        <p:spPr bwMode="auto">
+          <a:xfrm>
+            <a:off x="4281518" y="936258"/>
+            <a:ext cx="4436362" cy="2231585"/>
+          </a:xfrm>
+          <a:prstGeom prst="rect">
+            <a:avLst/>
+          </a:prstGeom>
+          <a:noFill/>
+          <a:ln>
+            <a:noFill/>
+          </a:ln>
+          <a:extLst>
+            <a:ext uri="{909E8E84-426E-40dd-AFC4-6F175D3DCCD1}">
+              <a14:hiddenFill xmlns:a14="http://schemas.microsoft.com/office/drawing/2010/main">
+                <a:solidFill>
+                  <a:srgbClr val="FFFFFF"/>
+                </a:solidFill>
+              </a14:hiddenFill>
+            </a:ext>
+            <a:ext uri="{91240B29-F687-4f45-9708-019B960494DF}">
+              <a14:hiddenLine xmlns:a14="http://schemas.microsoft.com/office/drawing/2010/main" w="9525">
+                <a:solidFill>
+                  <a:srgbClr val="000000"/>
+                </a:solidFill>
+                <a:miter lim="800000"/>
+                <a:headEnd/>
+                <a:tailEnd/>
+              </a14:hiddenLine>
+            </a:ext>
+          </a:extLst>
+        </p:spPr>
+        <p:txBody>
+          <a:bodyPr lIns="68580" tIns="34290" rIns="68580" bIns="34290" anchor="ctr"/>
+          <a:lstStyle/>
+          <a:p>
+            <a:pPr algn="ctr"/>
+            <a:r>
+              <a:rPr lang="en-US" altLang="zh-CN" sz="6000" spc="225" dirty="0" smtClean="0">
+                <a:solidFill>
+                  <a:schemeClr val="tx1">
+                    <a:lumMod val="50000"/>
+                    <a:lumOff val="50000"/>
+                  </a:schemeClr>
+                </a:solidFill>
+                <a:latin typeface="微软雅黑" panose="020B0503020204020204" pitchFamily="34" charset="-122"/>
+                <a:ea typeface="微软雅黑" panose="020B0503020204020204" pitchFamily="34" charset="-122"/>
+              </a:rPr>
+              <a:t>Binder</a:t>
+            </a:r>
+            <a:endParaRPr lang="en-US" altLang="zh-CN" sz="6000" spc="225" dirty="0" smtClean="0">
+              <a:solidFill>
+                <a:schemeClr val="tx1">
+                  <a:lumMod val="50000"/>
+                  <a:lumOff val="50000"/>
+                </a:schemeClr>
+              </a:solidFill>
+              <a:latin typeface="微软雅黑" panose="020B0503020204020204" pitchFamily="34" charset="-122"/>
+              <a:ea typeface="微软雅黑" panose="020B0503020204020204" pitchFamily="34" charset="-122"/>
+            </a:endParaRPr>
+          </a:p>
+        </p:txBody>
+      </p:sp>
+    </p:spTree>
+    <p:extLst>
+      <p:ext uri="{BB962C8B-B14F-4D97-AF65-F5344CB8AC3E}">
+        <p14:creationId xmlns:p14="http://schemas.microsoft.com/office/powerpoint/2010/main" val="505943000"/>
+      </p:ext>
+    </p:extLst>
+  </p:cSld>
+  <p:clrMapOvr>
+    <a:masterClrMapping/>
+  </p:clrMapOvr>
+  <mc:AlternateContent xmlns:mc="http://schemas.openxmlformats.org/markup-compatibility/2006" xmlns:p14="http://schemas.microsoft.com/office/powerpoint/2010/main">
+    <mc:Choice Requires="p14">
+      <p:transition spd="slow" p14:dur="1500">
+        <p14:window dir="vert"/>
+      </p:transition>
+    </mc:Choice>
+    <mc:Fallback xmlns="">
+      <p:transition spd="slow">
+        <p:fade/>
+      </p:transition>
+    </mc:Fallback>
+  </mc:AlternateContent>
+  <p:timing>
+    <p:tnLst>
+      <p:par>
+        <p:cTn xmlns:p14="http://schemas.microsoft.com/office/powerpoint/2010/main" id="1" dur="indefinite" restart="never" nodeType="tmRoot">
+          <p:childTnLst>
+            <p:seq concurrent="1" nextAc="seek">
+              <p:cTn id="2" dur="indefinite" nodeType="mainSeq">
+                <p:childTnLst>
+                  <p:par>
+                    <p:cTn id="3" fill="hold">
+                      <p:stCondLst>
+                        <p:cond delay="indefinite"/>
+                        <p:cond evt="onBegin" delay="0">
+                          <p:tn val="2"/>
+                        </p:cond>
+                      </p:stCondLst>
+                      <p:childTnLst>
+                        <p:par>
+                          <p:cTn id="4" fill="hold">
+                            <p:stCondLst>
+                              <p:cond delay="0"/>
+                            </p:stCondLst>
+                            <p:childTnLst>
+                              <p:par>
+                                <p:cTn id="5" presetID="27" presetClass="entr" presetSubtype="0" fill="hold" grpId="0" nodeType="afterEffect">
+                                  <p:stCondLst>
+                                    <p:cond delay="0"/>
+                                  </p:stCondLst>
+                                  <p:iterate type="lt">
+                                    <p:tmPct val="50000"/>
+                                  </p:iterate>
+                                  <p:childTnLst>
+                                    <p:set>
+                                      <p:cBhvr>
+                                        <p:cTn id="6" dur="1" fill="hold">
+                                          <p:stCondLst>
+                                            <p:cond delay="0"/>
+                                          </p:stCondLst>
+                                        </p:cTn>
+                                        <p:tgtEl>
+                                          <p:spTgt spid="12"/>
+                                        </p:tgtEl>
+                                        <p:attrNameLst>
+                                          <p:attrName>style.visibility</p:attrName>
+                                        </p:attrNameLst>
+                                      </p:cBhvr>
+                                      <p:to>
+                                        <p:strVal val="visible"/>
+                                      </p:to>
+                                    </p:set>
+                                    <p:anim calcmode="discrete" valueType="clr">
+                                      <p:cBhvr override="childStyle">
+                                        <p:cTn id="7" dur="200"/>
+                                        <p:tgtEl>
+                                          <p:spTgt spid="12"/>
+                                        </p:tgtEl>
+                                        <p:attrNameLst>
+                                          <p:attrName>style.color</p:attrName>
+                                        </p:attrNameLst>
+                                      </p:cBhvr>
+                                      <p:tavLst>
+                                        <p:tav tm="0">
+                                          <p:val>
+                                            <p:clrVal>
+                                              <a:schemeClr val="accent2"/>
+                                            </p:clrVal>
+                                          </p:val>
+                                        </p:tav>
+                                        <p:tav tm="50000">
+                                          <p:val>
+                                            <p:clrVal>
+                                              <a:schemeClr val="hlink"/>
+                                            </p:clrVal>
+                                          </p:val>
+                                        </p:tav>
+                                      </p:tavLst>
+                                    </p:anim>
+                                    <p:anim calcmode="discrete" valueType="clr">
+                                      <p:cBhvr>
+                                        <p:cTn id="8" dur="200"/>
+                                        <p:tgtEl>
+                                          <p:spTgt spid="12"/>
+                                        </p:tgtEl>
+                                        <p:attrNameLst>
+                                          <p:attrName>fillcolor</p:attrName>
+                                        </p:attrNameLst>
+                                      </p:cBhvr>
+                                      <p:tavLst>
+                                        <p:tav tm="0">
+                                          <p:val>
+                                            <p:clrVal>
+                                              <a:schemeClr val="accent2"/>
+                                            </p:clrVal>
+                                          </p:val>
+                                        </p:tav>
+                                        <p:tav tm="50000">
+                                          <p:val>
+                                            <p:clrVal>
+                                              <a:schemeClr val="hlink"/>
+                                            </p:clrVal>
+                                          </p:val>
+                                        </p:tav>
+                                      </p:tavLst>
+                                    </p:anim>
+                                    <p:set>
+                                      <p:cBhvr>
+                                        <p:cTn id="9" dur="200"/>
+                                        <p:tgtEl>
+                                          <p:spTgt spid="12"/>
+                                        </p:tgtEl>
+                                        <p:attrNameLst>
+                                          <p:attrName>fill.type</p:attrName>
+                                        </p:attrNameLst>
+                                      </p:cBhvr>
+                                      <p:to>
+                                        <p:strVal val="solid"/>
+                                      </p:to>
+                                    </p:set>
+                                  </p:childTnLst>
+                                </p:cTn>
+                              </p:par>
+                            </p:childTnLst>
+                          </p:cTn>
+                        </p:par>
+                      </p:childTnLst>
+                    </p:cTn>
+                  </p:par>
+                </p:childTnLst>
+              </p:cTn>
+              <p:prevCondLst>
+                <p:cond evt="onPrev" delay="0">
+                  <p:tgtEl>
+                    <p:sldTgt/>
+                  </p:tgtEl>
+                </p:cond>
+              </p:prevCondLst>
+              <p:nextCondLst>
+                <p:cond evt="onNext" delay="0">
+                  <p:tgtEl>
+                    <p:sldTgt/>
+                  </p:tgtEl>
+                </p:cond>
+              </p:nextCondLst>
+            </p:seq>
+          </p:childTnLst>
+        </p:cTn>
+      </p:par>
+    </p:tnLst>
+    <p:bldLst>
+      <p:bldP spid="12" grpId="0" bldLvl="0" autoUpdateAnimBg="0"/>
+    </p:bldLst>
+  </p:timing>
+</p:sld>
+</file>
+
+<file path=ppt/slides/slide5.xml><?xml version="1.0" encoding="utf-8"?>
 <p:sld xmlns:a="http://schemas.openxmlformats.org/drawingml/2006/main" xmlns:r="http://schemas.openxmlformats.org/officeDocument/2006/relationships" xmlns:p="http://schemas.openxmlformats.org/presentationml/2006/main">
   <p:cSld>
     <p:bg>
@@ -5406,7 +6607,7 @@
             </a:lstStyle>
             <a:p>
               <a:r>
-                <a:rPr lang="en-US" altLang="zh-CN" dirty="0" err="1">
+                <a:rPr lang="en-US" altLang="zh-CN" dirty="0" err="1" smtClean="0">
                   <a:solidFill>
                     <a:schemeClr val="tx2">
                       <a:lumMod val="60000"/>
@@ -5414,7 +6615,7 @@
                     </a:schemeClr>
                   </a:solidFill>
                 </a:rPr>
-                <a:t>BluetoothManager</a:t>
+                <a:t>PowerManager</a:t>
               </a:r>
               <a:endParaRPr lang="zh-CN" altLang="en-US" dirty="0">
                 <a:solidFill>
@@ -5662,7 +6863,7 @@
             </a:lstStyle>
             <a:p>
               <a:r>
-                <a:rPr lang="en-US" altLang="zh-CN" dirty="0" err="1">
+                <a:rPr lang="en-US" altLang="zh-CN" dirty="0" err="1" smtClean="0">
                   <a:solidFill>
                     <a:schemeClr val="tx2">
                       <a:lumMod val="60000"/>
@@ -5670,7 +6871,7 @@
                     </a:schemeClr>
                   </a:solidFill>
                 </a:rPr>
-                <a:t>PowerManager</a:t>
+                <a:t>BluetoothManager</a:t>
               </a:r>
               <a:endParaRPr lang="zh-CN" altLang="en-US" dirty="0">
                 <a:solidFill>
@@ -5819,7 +7020,7 @@
   <p:timing>
     <p:tnLst>
       <p:par>
-        <p:cTn id="1" dur="indefinite" restart="never" nodeType="tmRoot">
+        <p:cTn xmlns:p14="http://schemas.microsoft.com/office/powerpoint/2010/main" id="1" dur="indefinite" restart="never" nodeType="tmRoot">
           <p:childTnLst>
             <p:seq concurrent="1" nextAc="seek">
               <p:cTn id="2" dur="indefinite" nodeType="mainSeq">
@@ -6247,607 +7448,7 @@
 </p:sld>
 </file>
 
-<file path=ppt/slides/slide4.xml><?xml version="1.0" encoding="utf-8"?>
-<p:sld xmlns:a="http://schemas.openxmlformats.org/drawingml/2006/main" xmlns:r="http://schemas.openxmlformats.org/officeDocument/2006/relationships" xmlns:p="http://schemas.openxmlformats.org/presentationml/2006/main">
-  <p:cSld>
-    <p:spTree>
-      <p:nvGrpSpPr>
-        <p:cNvPr id="1" name=""/>
-        <p:cNvGrpSpPr/>
-        <p:nvPr/>
-      </p:nvGrpSpPr>
-      <p:grpSpPr>
-        <a:xfrm>
-          <a:off x="0" y="0"/>
-          <a:ext cx="0" cy="0"/>
-          <a:chOff x="0" y="0"/>
-          <a:chExt cx="0" cy="0"/>
-        </a:xfrm>
-      </p:grpSpPr>
-      <p:sp>
-        <p:nvSpPr>
-          <p:cNvPr id="2" name="日期占位符 1"/>
-          <p:cNvSpPr>
-            <a:spLocks noGrp="1"/>
-          </p:cNvSpPr>
-          <p:nvPr>
-            <p:ph type="dt" sz="half" idx="4294967295"/>
-          </p:nvPr>
-        </p:nvSpPr>
-        <p:spPr>
-          <a:xfrm>
-            <a:off x="62136" y="4803335"/>
-            <a:ext cx="2133600" cy="273844"/>
-          </a:xfrm>
-          <a:prstGeom prst="rect">
-            <a:avLst/>
-          </a:prstGeom>
-        </p:spPr>
-        <p:txBody>
-          <a:bodyPr/>
-          <a:lstStyle/>
-          <a:p>
-            <a:fld id="{91DCC52D-1059-4A24-8DF0-6F9EA1C9CDF3}" type="datetime1">
-              <a:rPr lang="zh-CN" altLang="en-US" smtClean="0"/>
-              <a:t>2017/4/6</a:t>
-            </a:fld>
-            <a:endParaRPr lang="zh-CN" altLang="en-US"/>
-          </a:p>
-        </p:txBody>
-      </p:sp>
-      <p:grpSp>
-        <p:nvGrpSpPr>
-          <p:cNvPr id="23" name="组合 22"/>
-          <p:cNvGrpSpPr/>
-          <p:nvPr/>
-        </p:nvGrpSpPr>
-        <p:grpSpPr>
-          <a:xfrm>
-            <a:off x="1187624" y="195486"/>
-            <a:ext cx="1515760" cy="72008"/>
-            <a:chOff x="539552" y="195486"/>
-            <a:chExt cx="1482080" cy="72008"/>
-          </a:xfrm>
-        </p:grpSpPr>
-        <p:sp>
-          <p:nvSpPr>
-            <p:cNvPr id="24" name="矩形 23"/>
-            <p:cNvSpPr/>
-            <p:nvPr/>
-          </p:nvSpPr>
-          <p:spPr>
-            <a:xfrm>
-              <a:off x="539552" y="195486"/>
-              <a:ext cx="720080" cy="72008"/>
-            </a:xfrm>
-            <a:prstGeom prst="rect">
-              <a:avLst/>
-            </a:prstGeom>
-            <a:solidFill>
-              <a:schemeClr val="tx2">
-                <a:lumMod val="60000"/>
-                <a:lumOff val="40000"/>
-              </a:schemeClr>
-            </a:solidFill>
-            <a:ln>
-              <a:noFill/>
-            </a:ln>
-          </p:spPr>
-          <p:style>
-            <a:lnRef idx="2">
-              <a:schemeClr val="accent1">
-                <a:shade val="50000"/>
-              </a:schemeClr>
-            </a:lnRef>
-            <a:fillRef idx="1">
-              <a:schemeClr val="accent1"/>
-            </a:fillRef>
-            <a:effectRef idx="0">
-              <a:schemeClr val="accent1"/>
-            </a:effectRef>
-            <a:fontRef idx="minor">
-              <a:schemeClr val="lt1"/>
-            </a:fontRef>
-          </p:style>
-          <p:txBody>
-            <a:bodyPr rtlCol="0" anchor="ctr"/>
-            <a:lstStyle/>
-            <a:p>
-              <a:pPr algn="ctr"/>
-              <a:endParaRPr lang="zh-CN" altLang="en-US"/>
-            </a:p>
-          </p:txBody>
-        </p:sp>
-        <p:sp>
-          <p:nvSpPr>
-            <p:cNvPr id="25" name="矩形 24"/>
-            <p:cNvSpPr/>
-            <p:nvPr/>
-          </p:nvSpPr>
-          <p:spPr>
-            <a:xfrm>
-              <a:off x="1301552" y="195486"/>
-              <a:ext cx="720080" cy="72008"/>
-            </a:xfrm>
-            <a:prstGeom prst="rect">
-              <a:avLst/>
-            </a:prstGeom>
-            <a:solidFill>
-              <a:schemeClr val="tx2">
-                <a:lumMod val="50000"/>
-              </a:schemeClr>
-            </a:solidFill>
-            <a:ln>
-              <a:noFill/>
-            </a:ln>
-          </p:spPr>
-          <p:style>
-            <a:lnRef idx="2">
-              <a:schemeClr val="accent1">
-                <a:shade val="50000"/>
-              </a:schemeClr>
-            </a:lnRef>
-            <a:fillRef idx="1">
-              <a:schemeClr val="accent1"/>
-            </a:fillRef>
-            <a:effectRef idx="0">
-              <a:schemeClr val="accent1"/>
-            </a:effectRef>
-            <a:fontRef idx="minor">
-              <a:schemeClr val="lt1"/>
-            </a:fontRef>
-          </p:style>
-          <p:txBody>
-            <a:bodyPr rtlCol="0" anchor="ctr"/>
-            <a:lstStyle/>
-            <a:p>
-              <a:pPr algn="ctr"/>
-              <a:endParaRPr lang="zh-CN" altLang="en-US"/>
-            </a:p>
-          </p:txBody>
-        </p:sp>
-      </p:grpSp>
-      <p:sp>
-        <p:nvSpPr>
-          <p:cNvPr id="26" name="TextBox 25"/>
-          <p:cNvSpPr txBox="1"/>
-          <p:nvPr/>
-        </p:nvSpPr>
-        <p:spPr>
-          <a:xfrm>
-            <a:off x="1115616" y="267494"/>
-            <a:ext cx="723275" cy="253916"/>
-          </a:xfrm>
-          <a:prstGeom prst="rect">
-            <a:avLst/>
-          </a:prstGeom>
-          <a:noFill/>
-        </p:spPr>
-        <p:txBody>
-          <a:bodyPr wrap="none" rtlCol="0">
-            <a:spAutoFit/>
-          </a:bodyPr>
-          <a:lstStyle/>
-          <a:p>
-            <a:r>
-              <a:rPr lang="en-US" altLang="zh-CN" sz="1050" dirty="0">
-                <a:solidFill>
-                  <a:srgbClr val="C00000"/>
-                </a:solidFill>
-                <a:latin typeface="Impact" pitchFamily="34" charset="0"/>
-              </a:rPr>
-              <a:t>DESIGNER:</a:t>
-            </a:r>
-            <a:endParaRPr lang="zh-CN" altLang="en-US" sz="1050" dirty="0">
-              <a:solidFill>
-                <a:srgbClr val="C00000"/>
-              </a:solidFill>
-              <a:latin typeface="Impact" pitchFamily="34" charset="0"/>
-              <a:ea typeface="微软雅黑" pitchFamily="34" charset="-122"/>
-            </a:endParaRPr>
-          </a:p>
-        </p:txBody>
-      </p:sp>
-      <p:sp>
-        <p:nvSpPr>
-          <p:cNvPr id="27" name="TextBox 26"/>
-          <p:cNvSpPr txBox="1"/>
-          <p:nvPr/>
-        </p:nvSpPr>
-        <p:spPr>
-          <a:xfrm>
-            <a:off x="1089274" y="397184"/>
-            <a:ext cx="808235" cy="338554"/>
-          </a:xfrm>
-          <a:prstGeom prst="rect">
-            <a:avLst/>
-          </a:prstGeom>
-          <a:noFill/>
-        </p:spPr>
-        <p:txBody>
-          <a:bodyPr wrap="none" rtlCol="0">
-            <a:spAutoFit/>
-          </a:bodyPr>
-          <a:lstStyle/>
-          <a:p>
-            <a:r>
-              <a:rPr lang="zh-CN" altLang="en-US" sz="1600" dirty="0" smtClean="0">
-                <a:solidFill>
-                  <a:schemeClr val="bg1">
-                    <a:lumMod val="50000"/>
-                  </a:schemeClr>
-                </a:solidFill>
-                <a:latin typeface="Impact" pitchFamily="34" charset="0"/>
-                <a:ea typeface="微软雅黑" pitchFamily="34" charset="-122"/>
-              </a:rPr>
-              <a:t>李文田</a:t>
-            </a:r>
-            <a:endParaRPr lang="zh-CN" altLang="en-US" sz="1600" b="1" dirty="0">
-              <a:solidFill>
-                <a:srgbClr val="E74C2E"/>
-              </a:solidFill>
-              <a:latin typeface="Impact" pitchFamily="34" charset="0"/>
-              <a:ea typeface="微软雅黑" pitchFamily="34" charset="-122"/>
-            </a:endParaRPr>
-          </a:p>
-        </p:txBody>
-      </p:sp>
-      <p:pic>
-        <p:nvPicPr>
-          <p:cNvPr id="29" name="图片 28"/>
-          <p:cNvPicPr>
-            <a:picLocks noChangeAspect="1"/>
-          </p:cNvPicPr>
-          <p:nvPr/>
-        </p:nvPicPr>
-        <p:blipFill>
-          <a:blip r:embed="rId3">
-            <a:extLst>
-              <a:ext uri="{28A0092B-C50C-407E-A947-70E740481C1C}">
-                <a14:useLocalDpi xmlns:a14="http://schemas.microsoft.com/office/drawing/2010/main" val="0"/>
-              </a:ext>
-            </a:extLst>
-          </a:blip>
-          <a:stretch>
-            <a:fillRect/>
-          </a:stretch>
-        </p:blipFill>
-        <p:spPr>
-          <a:xfrm>
-            <a:off x="7870039" y="76220"/>
-            <a:ext cx="1058185" cy="529093"/>
-          </a:xfrm>
-          <a:prstGeom prst="rect">
-            <a:avLst/>
-          </a:prstGeom>
-          <a:ln>
-            <a:solidFill>
-              <a:srgbClr val="EC6433"/>
-            </a:solidFill>
-          </a:ln>
-        </p:spPr>
-      </p:pic>
-      <p:pic>
-        <p:nvPicPr>
-          <p:cNvPr id="9" name="图片 8"/>
-          <p:cNvPicPr>
-            <a:picLocks noChangeAspect="1"/>
-          </p:cNvPicPr>
-          <p:nvPr/>
-        </p:nvPicPr>
-        <p:blipFill>
-          <a:blip r:embed="rId4">
-            <a:extLst>
-              <a:ext uri="{28A0092B-C50C-407E-A947-70E740481C1C}">
-                <a14:useLocalDpi xmlns:a14="http://schemas.microsoft.com/office/drawing/2010/main" val="0"/>
-              </a:ext>
-            </a:extLst>
-          </a:blip>
-          <a:stretch>
-            <a:fillRect/>
-          </a:stretch>
-        </p:blipFill>
-        <p:spPr>
-          <a:xfrm>
-            <a:off x="149568" y="917208"/>
-            <a:ext cx="4126270" cy="3094702"/>
-          </a:xfrm>
-          <a:prstGeom prst="rect">
-            <a:avLst/>
-          </a:prstGeom>
-        </p:spPr>
-      </p:pic>
-      <p:sp>
-        <p:nvSpPr>
-          <p:cNvPr id="12" name="矩形 26"/>
-          <p:cNvSpPr>
-            <a:spLocks noChangeArrowheads="1"/>
-          </p:cNvSpPr>
-          <p:nvPr/>
-        </p:nvSpPr>
-        <p:spPr bwMode="auto">
-          <a:xfrm>
-            <a:off x="4281518" y="936258"/>
-            <a:ext cx="4436362" cy="2231585"/>
-          </a:xfrm>
-          <a:prstGeom prst="rect">
-            <a:avLst/>
-          </a:prstGeom>
-          <a:noFill/>
-          <a:ln>
-            <a:noFill/>
-          </a:ln>
-          <a:extLst>
-            <a:ext uri="{909E8E84-426E-40DD-AFC4-6F175D3DCCD1}">
-              <a14:hiddenFill xmlns:a14="http://schemas.microsoft.com/office/drawing/2010/main">
-                <a:solidFill>
-                  <a:srgbClr val="FFFFFF"/>
-                </a:solidFill>
-              </a14:hiddenFill>
-            </a:ext>
-            <a:ext uri="{91240B29-F687-4F45-9708-019B960494DF}">
-              <a14:hiddenLine xmlns:a14="http://schemas.microsoft.com/office/drawing/2010/main" w="9525">
-                <a:solidFill>
-                  <a:srgbClr val="000000"/>
-                </a:solidFill>
-                <a:miter lim="800000"/>
-                <a:headEnd/>
-                <a:tailEnd/>
-              </a14:hiddenLine>
-            </a:ext>
-          </a:extLst>
-        </p:spPr>
-        <p:txBody>
-          <a:bodyPr lIns="68580" tIns="34290" rIns="68580" bIns="34290" anchor="ctr"/>
-          <a:lstStyle/>
-          <a:p>
-            <a:pPr algn="ctr"/>
-            <a:r>
-              <a:rPr lang="en-US" altLang="zh-CN" sz="6000" spc="225" dirty="0" smtClean="0">
-                <a:solidFill>
-                  <a:schemeClr val="tx1">
-                    <a:lumMod val="50000"/>
-                    <a:lumOff val="50000"/>
-                  </a:schemeClr>
-                </a:solidFill>
-                <a:latin typeface="微软雅黑" panose="020B0503020204020204" pitchFamily="34" charset="-122"/>
-                <a:ea typeface="微软雅黑" panose="020B0503020204020204" pitchFamily="34" charset="-122"/>
-              </a:rPr>
-              <a:t>Binder</a:t>
-            </a:r>
-          </a:p>
-          <a:p>
-            <a:pPr algn="ctr"/>
-            <a:r>
-              <a:rPr lang="zh-CN" altLang="en-US" sz="4800" b="1" spc="225" dirty="0">
-                <a:solidFill>
-                  <a:schemeClr val="tx1">
-                    <a:lumMod val="50000"/>
-                    <a:lumOff val="50000"/>
-                  </a:schemeClr>
-                </a:solidFill>
-                <a:latin typeface="微软雅黑" panose="020B0503020204020204" pitchFamily="34" charset="-122"/>
-                <a:ea typeface="微软雅黑" panose="020B0503020204020204" pitchFamily="34" charset="-122"/>
-              </a:rPr>
-              <a:t> </a:t>
-            </a:r>
-            <a:r>
-              <a:rPr lang="zh-CN" altLang="en-US" sz="4800" b="1" spc="225" dirty="0" smtClean="0">
-                <a:solidFill>
-                  <a:schemeClr val="tx1">
-                    <a:lumMod val="50000"/>
-                    <a:lumOff val="50000"/>
-                  </a:schemeClr>
-                </a:solidFill>
-                <a:latin typeface="微软雅黑" panose="020B0503020204020204" pitchFamily="34" charset="-122"/>
-                <a:ea typeface="微软雅黑" panose="020B0503020204020204" pitchFamily="34" charset="-122"/>
-              </a:rPr>
-              <a:t>     </a:t>
-            </a:r>
-            <a:r>
-              <a:rPr lang="zh-CN" altLang="en-US" sz="3600" b="1" spc="225" dirty="0" smtClean="0">
-                <a:solidFill>
-                  <a:schemeClr val="tx1">
-                    <a:lumMod val="50000"/>
-                    <a:lumOff val="50000"/>
-                  </a:schemeClr>
-                </a:solidFill>
-                <a:latin typeface="微软雅黑" panose="020B0503020204020204" pitchFamily="34" charset="-122"/>
-                <a:ea typeface="微软雅黑" panose="020B0503020204020204" pitchFamily="34" charset="-122"/>
-              </a:rPr>
-              <a:t>基础架构</a:t>
-            </a:r>
-            <a:endParaRPr lang="zh-CN" altLang="en-US" sz="3600" b="1" spc="225" dirty="0">
-              <a:solidFill>
-                <a:schemeClr val="tx1">
-                  <a:lumMod val="50000"/>
-                  <a:lumOff val="50000"/>
-                </a:schemeClr>
-              </a:solidFill>
-              <a:latin typeface="微软雅黑" panose="020B0503020204020204" pitchFamily="34" charset="-122"/>
-              <a:ea typeface="微软雅黑" panose="020B0503020204020204" pitchFamily="34" charset="-122"/>
-            </a:endParaRPr>
-          </a:p>
-        </p:txBody>
-      </p:sp>
-    </p:spTree>
-    <p:extLst>
-      <p:ext uri="{BB962C8B-B14F-4D97-AF65-F5344CB8AC3E}">
-        <p14:creationId xmlns:p14="http://schemas.microsoft.com/office/powerpoint/2010/main" val="505943000"/>
-      </p:ext>
-    </p:extLst>
-  </p:cSld>
-  <p:clrMapOvr>
-    <a:masterClrMapping/>
-  </p:clrMapOvr>
-  <mc:AlternateContent xmlns:mc="http://schemas.openxmlformats.org/markup-compatibility/2006" xmlns:p14="http://schemas.microsoft.com/office/powerpoint/2010/main">
-    <mc:Choice Requires="p14">
-      <p:transition spd="slow" p14:dur="1500">
-        <p14:window dir="vert"/>
-      </p:transition>
-    </mc:Choice>
-    <mc:Fallback xmlns="">
-      <p:transition spd="slow">
-        <p:fade/>
-      </p:transition>
-    </mc:Fallback>
-  </mc:AlternateContent>
-  <p:timing>
-    <p:tnLst>
-      <p:par>
-        <p:cTn id="1" dur="indefinite" restart="never" nodeType="tmRoot">
-          <p:childTnLst>
-            <p:seq concurrent="1" nextAc="seek">
-              <p:cTn id="2" dur="indefinite" nodeType="mainSeq">
-                <p:childTnLst>
-                  <p:par>
-                    <p:cTn id="3" fill="hold">
-                      <p:stCondLst>
-                        <p:cond delay="indefinite"/>
-                        <p:cond evt="onBegin" delay="0">
-                          <p:tn val="2"/>
-                        </p:cond>
-                      </p:stCondLst>
-                      <p:childTnLst>
-                        <p:par>
-                          <p:cTn id="4" fill="hold">
-                            <p:stCondLst>
-                              <p:cond delay="0"/>
-                            </p:stCondLst>
-                            <p:childTnLst>
-                              <p:par>
-                                <p:cTn id="5" presetID="27" presetClass="entr" presetSubtype="0" fill="hold" grpId="0" nodeType="afterEffect">
-                                  <p:stCondLst>
-                                    <p:cond delay="0"/>
-                                  </p:stCondLst>
-                                  <p:iterate type="lt">
-                                    <p:tmPct val="50000"/>
-                                  </p:iterate>
-                                  <p:childTnLst>
-                                    <p:set>
-                                      <p:cBhvr>
-                                        <p:cTn id="6" dur="1" fill="hold">
-                                          <p:stCondLst>
-                                            <p:cond delay="0"/>
-                                          </p:stCondLst>
-                                        </p:cTn>
-                                        <p:tgtEl>
-                                          <p:spTgt spid="12"/>
-                                        </p:tgtEl>
-                                        <p:attrNameLst>
-                                          <p:attrName>style.visibility</p:attrName>
-                                        </p:attrNameLst>
-                                      </p:cBhvr>
-                                      <p:to>
-                                        <p:strVal val="visible"/>
-                                      </p:to>
-                                    </p:set>
-                                    <p:anim calcmode="discrete" valueType="clr">
-                                      <p:cBhvr override="childStyle">
-                                        <p:cTn id="7" dur="200"/>
-                                        <p:tgtEl>
-                                          <p:spTgt spid="12"/>
-                                        </p:tgtEl>
-                                        <p:attrNameLst>
-                                          <p:attrName>style.color</p:attrName>
-                                        </p:attrNameLst>
-                                      </p:cBhvr>
-                                      <p:tavLst>
-                                        <p:tav tm="0">
-                                          <p:val>
-                                            <p:clrVal>
-                                              <a:schemeClr val="accent2"/>
-                                            </p:clrVal>
-                                          </p:val>
-                                        </p:tav>
-                                        <p:tav tm="50000">
-                                          <p:val>
-                                            <p:clrVal>
-                                              <a:schemeClr val="hlink"/>
-                                            </p:clrVal>
-                                          </p:val>
-                                        </p:tav>
-                                      </p:tavLst>
-                                    </p:anim>
-                                    <p:anim calcmode="discrete" valueType="clr">
-                                      <p:cBhvr>
-                                        <p:cTn id="8" dur="200"/>
-                                        <p:tgtEl>
-                                          <p:spTgt spid="12"/>
-                                        </p:tgtEl>
-                                        <p:attrNameLst>
-                                          <p:attrName>fillcolor</p:attrName>
-                                        </p:attrNameLst>
-                                      </p:cBhvr>
-                                      <p:tavLst>
-                                        <p:tav tm="0">
-                                          <p:val>
-                                            <p:clrVal>
-                                              <a:schemeClr val="accent2"/>
-                                            </p:clrVal>
-                                          </p:val>
-                                        </p:tav>
-                                        <p:tav tm="50000">
-                                          <p:val>
-                                            <p:clrVal>
-                                              <a:schemeClr val="hlink"/>
-                                            </p:clrVal>
-                                          </p:val>
-                                        </p:tav>
-                                      </p:tavLst>
-                                    </p:anim>
-                                    <p:set>
-                                      <p:cBhvr>
-                                        <p:cTn id="9" dur="200"/>
-                                        <p:tgtEl>
-                                          <p:spTgt spid="12"/>
-                                        </p:tgtEl>
-                                        <p:attrNameLst>
-                                          <p:attrName>fill.type</p:attrName>
-                                        </p:attrNameLst>
-                                      </p:cBhvr>
-                                      <p:to>
-                                        <p:strVal val="solid"/>
-                                      </p:to>
-                                    </p:set>
-                                  </p:childTnLst>
-                                </p:cTn>
-                              </p:par>
-                            </p:childTnLst>
-                          </p:cTn>
-                        </p:par>
-                      </p:childTnLst>
-                    </p:cTn>
-                  </p:par>
-                </p:childTnLst>
-              </p:cTn>
-              <p:prevCondLst>
-                <p:cond evt="onPrev" delay="0">
-                  <p:tgtEl>
-                    <p:sldTgt/>
-                  </p:tgtEl>
-                </p:cond>
-              </p:prevCondLst>
-              <p:nextCondLst>
-                <p:cond evt="onNext" delay="0">
-                  <p:tgtEl>
-                    <p:sldTgt/>
-                  </p:tgtEl>
-                </p:cond>
-              </p:nextCondLst>
-            </p:seq>
-          </p:childTnLst>
-        </p:cTn>
-      </p:par>
-    </p:tnLst>
-    <p:bldLst>
-      <p:bldP spid="12" grpId="0" bldLvl="0" autoUpdateAnimBg="0"/>
-    </p:bldLst>
-  </p:timing>
-</p:sld>
-</file>
-
-<file path=ppt/slides/slide5.xml><?xml version="1.0" encoding="utf-8"?>
+<file path=ppt/slides/slide6.xml><?xml version="1.0" encoding="utf-8"?>
 <p:sld xmlns:a="http://schemas.openxmlformats.org/drawingml/2006/main" xmlns:r="http://schemas.openxmlformats.org/officeDocument/2006/relationships" xmlns:p="http://schemas.openxmlformats.org/presentationml/2006/main">
   <p:cSld>
     <p:spTree>
@@ -7838,7 +8439,7 @@
   <p:timing>
     <p:tnLst>
       <p:par>
-        <p:cTn id="1" dur="indefinite" restart="never" nodeType="tmRoot">
+        <p:cTn xmlns:p14="http://schemas.microsoft.com/office/powerpoint/2010/main" id="1" dur="indefinite" restart="never" nodeType="tmRoot">
           <p:childTnLst>
             <p:seq concurrent="1" nextAc="seek">
               <p:cTn id="2" dur="indefinite" nodeType="mainSeq">
@@ -8266,7 +8867,7 @@
 </p:sld>
 </file>
 
-<file path=ppt/slides/slide6.xml><?xml version="1.0" encoding="utf-8"?>
+<file path=ppt/slides/slide7.xml><?xml version="1.0" encoding="utf-8"?>
 <p:sld xmlns:a="http://schemas.openxmlformats.org/drawingml/2006/main" xmlns:r="http://schemas.openxmlformats.org/officeDocument/2006/relationships" xmlns:p="http://schemas.openxmlformats.org/presentationml/2006/main">
   <p:cSld>
     <p:spTree>
@@ -10812,7 +11413,7 @@
                 <a:noFill/>
               </a:ln>
               <a:extLst>
-                <a:ext uri="{91240B29-F687-4F45-9708-019B960494DF}">
+                <a:ext uri="{91240B29-F687-4f45-9708-019B960494DF}">
                   <a14:hiddenLine xmlns:a14="http://schemas.microsoft.com/office/drawing/2010/main" w="9525">
                     <a:solidFill>
                       <a:srgbClr val="000000"/>
@@ -10943,7 +11544,7 @@
                 <a:noFill/>
               </a:ln>
               <a:extLst>
-                <a:ext uri="{91240B29-F687-4F45-9708-019B960494DF}">
+                <a:ext uri="{91240B29-F687-4f45-9708-019B960494DF}">
                   <a14:hiddenLine xmlns:a14="http://schemas.microsoft.com/office/drawing/2010/main" w="9525">
                     <a:solidFill>
                       <a:srgbClr val="000000"/>
@@ -11074,7 +11675,7 @@
                 <a:noFill/>
               </a:ln>
               <a:extLst>
-                <a:ext uri="{91240B29-F687-4F45-9708-019B960494DF}">
+                <a:ext uri="{91240B29-F687-4f45-9708-019B960494DF}">
                   <a14:hiddenLine xmlns:a14="http://schemas.microsoft.com/office/drawing/2010/main" w="9525">
                     <a:solidFill>
                       <a:srgbClr val="000000"/>
@@ -11205,7 +11806,7 @@
                 <a:noFill/>
               </a:ln>
               <a:extLst>
-                <a:ext uri="{91240B29-F687-4F45-9708-019B960494DF}">
+                <a:ext uri="{91240B29-F687-4f45-9708-019B960494DF}">
                   <a14:hiddenLine xmlns:a14="http://schemas.microsoft.com/office/drawing/2010/main" w="9525">
                     <a:solidFill>
                       <a:srgbClr val="000000"/>
@@ -11356,7 +11957,7 @@
                 <a:noFill/>
               </a:ln>
               <a:extLst>
-                <a:ext uri="{91240B29-F687-4F45-9708-019B960494DF}">
+                <a:ext uri="{91240B29-F687-4f45-9708-019B960494DF}">
                   <a14:hiddenLine xmlns:a14="http://schemas.microsoft.com/office/drawing/2010/main" w="9525">
                     <a:solidFill>
                       <a:srgbClr val="000000"/>
@@ -11507,7 +12108,7 @@
                 <a:noFill/>
               </a:ln>
               <a:extLst>
-                <a:ext uri="{91240B29-F687-4F45-9708-019B960494DF}">
+                <a:ext uri="{91240B29-F687-4f45-9708-019B960494DF}">
                   <a14:hiddenLine xmlns:a14="http://schemas.microsoft.com/office/drawing/2010/main" w="9525">
                     <a:solidFill>
                       <a:srgbClr val="000000"/>
@@ -11658,7 +12259,7 @@
                 <a:noFill/>
               </a:ln>
               <a:extLst>
-                <a:ext uri="{91240B29-F687-4F45-9708-019B960494DF}">
+                <a:ext uri="{91240B29-F687-4f45-9708-019B960494DF}">
                   <a14:hiddenLine xmlns:a14="http://schemas.microsoft.com/office/drawing/2010/main" w="9525">
                     <a:solidFill>
                       <a:srgbClr val="000000"/>
@@ -11712,14 +12313,14 @@
             <a:noFill/>
           </a:ln>
           <a:extLst>
-            <a:ext uri="{909E8E84-426E-40DD-AFC4-6F175D3DCCD1}">
+            <a:ext uri="{909E8E84-426E-40dd-AFC4-6F175D3DCCD1}">
               <a14:hiddenFill xmlns:a14="http://schemas.microsoft.com/office/drawing/2010/main">
                 <a:solidFill>
                   <a:srgbClr val="FFFFFF"/>
                 </a:solidFill>
               </a14:hiddenFill>
             </a:ext>
-            <a:ext uri="{91240B29-F687-4F45-9708-019B960494DF}">
+            <a:ext uri="{91240B29-F687-4f45-9708-019B960494DF}">
               <a14:hiddenLine xmlns:a14="http://schemas.microsoft.com/office/drawing/2010/main" w="9525">
                 <a:solidFill>
                   <a:srgbClr val="000000"/>
@@ -11781,7 +12382,7 @@
           <a:p>
             <a:fld id="{F3E05BB9-A027-4781-8AC4-E948EFBD12A3}" type="datetime1">
               <a:rPr lang="zh-CN" altLang="en-US" smtClean="0"/>
-              <a:t>2017/4/6</a:t>
+              <a:t>17/4/6</a:t>
             </a:fld>
             <a:endParaRPr lang="zh-CN" altLang="en-US"/>
           </a:p>
@@ -11838,7 +12439,7 @@
   <p:timing>
     <p:tnLst>
       <p:par>
-        <p:cTn id="1" dur="indefinite" restart="never" nodeType="tmRoot">
+        <p:cTn xmlns:p14="http://schemas.microsoft.com/office/powerpoint/2010/main" id="1" dur="indefinite" restart="never" nodeType="tmRoot">
           <p:childTnLst>
             <p:seq concurrent="1" nextAc="seek">
               <p:cTn id="2" dur="indefinite" nodeType="mainSeq">
@@ -12350,7 +12951,7 @@
         </a:ln>
         <a:effectLst/>
         <a:extLst>
-          <a:ext uri="{AF507438-7753-43E0-B8FC-AC1667EBCBE1}">
+          <a:ext uri="{AF507438-7753-43e0-B8FC-AC1667EBCBE1}">
             <a14:hiddenEffects xmlns:a14="http://schemas.microsoft.com/office/drawing/2010/main">
               <a:effectLst>
                 <a:outerShdw dist="35921" dir="2700000" algn="ctr" rotWithShape="0">
@@ -12424,7 +13025,7 @@
         </a:ln>
         <a:effectLst/>
         <a:extLst>
-          <a:ext uri="{AF507438-7753-43E0-B8FC-AC1667EBCBE1}">
+          <a:ext uri="{AF507438-7753-43e0-B8FC-AC1667EBCBE1}">
             <a14:hiddenEffects xmlns:a14="http://schemas.microsoft.com/office/drawing/2010/main">
               <a:effectLst>
                 <a:outerShdw dist="35921" dir="2700000" algn="ctr" rotWithShape="0">
